--- a/Projeto/apresentacao Aprendizagem de Maquina.pptx
+++ b/Projeto/apresentacao Aprendizagem de Maquina.pptx
@@ -5,7 +5,7 @@
     <p:sldMasterId id="2147483648" r:id="rId1"/>
   </p:sldMasterIdLst>
   <p:notesMasterIdLst>
-    <p:notesMasterId r:id="rId32"/>
+    <p:notesMasterId r:id="rId33"/>
   </p:notesMasterIdLst>
   <p:sldIdLst>
     <p:sldId id="256" r:id="rId2"/>
@@ -35,9 +35,10 @@
     <p:sldId id="435" r:id="rId26"/>
     <p:sldId id="436" r:id="rId27"/>
     <p:sldId id="402" r:id="rId28"/>
-    <p:sldId id="437" r:id="rId29"/>
-    <p:sldId id="438" r:id="rId30"/>
-    <p:sldId id="394" r:id="rId31"/>
+    <p:sldId id="439" r:id="rId29"/>
+    <p:sldId id="437" r:id="rId30"/>
+    <p:sldId id="438" r:id="rId31"/>
+    <p:sldId id="394" r:id="rId32"/>
   </p:sldIdLst>
   <p:sldSz cx="12192000" cy="6858000"/>
   <p:notesSz cx="6858000" cy="9144000"/>
@@ -156,20 +157,6 @@
 </p:cmAuthorLst>
 </file>
 
-<file path=ppt/comments/comment1.xml><?xml version="1.0" encoding="utf-8"?>
-<p:cmLst xmlns:a="http://schemas.openxmlformats.org/drawingml/2006/main" xmlns:r="http://schemas.openxmlformats.org/officeDocument/2006/relationships" xmlns:p="http://schemas.openxmlformats.org/presentationml/2006/main">
-  <p:cm authorId="1" dt="2017-12-16T13:16:57.581" idx="8">
-    <p:pos x="5332" y="1095"/>
-    <p:text>ajustar esse grafico. parece q o 4 ta maior q o 32</p:text>
-    <p:extLst>
-      <p:ext uri="{C676402C-5697-4E1C-873F-D02D1690AC5C}">
-        <p15:threadingInfo xmlns:p15="http://schemas.microsoft.com/office/powerpoint/2012/main" timeZoneBias="180"/>
-      </p:ext>
-    </p:extLst>
-  </p:cm>
-</p:cmLst>
-</file>
-
 <file path=ppt/notesMasters/notesMaster1.xml><?xml version="1.0" encoding="utf-8"?>
 <p:notesMaster xmlns:a="http://schemas.openxmlformats.org/drawingml/2006/main" xmlns:r="http://schemas.openxmlformats.org/officeDocument/2006/relationships" xmlns:p="http://schemas.openxmlformats.org/presentationml/2006/main">
   <p:cSld>
@@ -252,7 +239,7 @@
           <a:p>
             <a:fld id="{2B06E86D-2835-4066-B69B-6B45BB872F36}" type="datetimeFigureOut">
               <a:rPr lang="pt-BR" smtClean="0"/>
-              <a:t>16/12/2017</a:t>
+              <a:t>18/12/2017</a:t>
             </a:fld>
             <a:endParaRPr lang="pt-BR"/>
           </a:p>
@@ -604,6 +591,90 @@
 </p:notes>
 </file>
 
+<file path=ppt/notesSlides/notesSlide10.xml><?xml version="1.0" encoding="utf-8"?>
+<p:notes xmlns:a="http://schemas.openxmlformats.org/drawingml/2006/main" xmlns:r="http://schemas.openxmlformats.org/officeDocument/2006/relationships" xmlns:p="http://schemas.openxmlformats.org/presentationml/2006/main">
+  <p:cSld>
+    <p:spTree>
+      <p:nvGrpSpPr>
+        <p:cNvPr id="1" name=""/>
+        <p:cNvGrpSpPr/>
+        <p:nvPr/>
+      </p:nvGrpSpPr>
+      <p:grpSpPr>
+        <a:xfrm>
+          <a:off x="0" y="0"/>
+          <a:ext cx="0" cy="0"/>
+          <a:chOff x="0" y="0"/>
+          <a:chExt cx="0" cy="0"/>
+        </a:xfrm>
+      </p:grpSpPr>
+      <p:sp>
+        <p:nvSpPr>
+          <p:cNvPr id="2" name="Espaço Reservado para Imagem de Slide 1"/>
+          <p:cNvSpPr>
+            <a:spLocks noGrp="1" noRot="1" noChangeAspect="1"/>
+          </p:cNvSpPr>
+          <p:nvPr>
+            <p:ph type="sldImg"/>
+          </p:nvPr>
+        </p:nvSpPr>
+        <p:spPr/>
+      </p:sp>
+      <p:sp>
+        <p:nvSpPr>
+          <p:cNvPr id="3" name="Espaço Reservado para Anotações 2"/>
+          <p:cNvSpPr>
+            <a:spLocks noGrp="1"/>
+          </p:cNvSpPr>
+          <p:nvPr>
+            <p:ph type="body" idx="1"/>
+          </p:nvPr>
+        </p:nvSpPr>
+        <p:spPr/>
+        <p:txBody>
+          <a:bodyPr/>
+          <a:lstStyle/>
+          <a:p>
+            <a:endParaRPr lang="pt-BR"/>
+          </a:p>
+        </p:txBody>
+      </p:sp>
+      <p:sp>
+        <p:nvSpPr>
+          <p:cNvPr id="4" name="Espaço Reservado para Número de Slide 3"/>
+          <p:cNvSpPr>
+            <a:spLocks noGrp="1"/>
+          </p:cNvSpPr>
+          <p:nvPr>
+            <p:ph type="sldNum" sz="quarter" idx="10"/>
+          </p:nvPr>
+        </p:nvSpPr>
+        <p:spPr/>
+        <p:txBody>
+          <a:bodyPr/>
+          <a:lstStyle/>
+          <a:p>
+            <a:fld id="{72F6FCB6-9256-41FB-A587-BEEB3EAEC7F9}" type="slidenum">
+              <a:rPr lang="pt-BR" smtClean="0"/>
+              <a:t>31</a:t>
+            </a:fld>
+            <a:endParaRPr lang="pt-BR"/>
+          </a:p>
+        </p:txBody>
+      </p:sp>
+    </p:spTree>
+    <p:extLst>
+      <p:ext uri="{BB962C8B-B14F-4D97-AF65-F5344CB8AC3E}">
+        <p14:creationId xmlns:p14="http://schemas.microsoft.com/office/powerpoint/2010/main" val="2596391621"/>
+      </p:ext>
+    </p:extLst>
+  </p:cSld>
+  <p:clrMapOvr>
+    <a:masterClrMapping/>
+  </p:clrMapOvr>
+</p:notes>
+</file>
+
 <file path=ppt/notesSlides/notesSlide2.xml><?xml version="1.0" encoding="utf-8"?>
 <p:notes xmlns:a="http://schemas.openxmlformats.org/drawingml/2006/main" xmlns:r="http://schemas.openxmlformats.org/officeDocument/2006/relationships" xmlns:p="http://schemas.openxmlformats.org/presentationml/2006/main">
   <p:cSld>
@@ -1098,7 +1169,7 @@
     </p:spTree>
     <p:extLst>
       <p:ext uri="{BB962C8B-B14F-4D97-AF65-F5344CB8AC3E}">
-        <p14:creationId xmlns:p14="http://schemas.microsoft.com/office/powerpoint/2010/main" val="987960455"/>
+        <p14:creationId xmlns:p14="http://schemas.microsoft.com/office/powerpoint/2010/main" val="2532526345"/>
       </p:ext>
     </p:extLst>
   </p:cSld>
@@ -1182,7 +1253,7 @@
     </p:spTree>
     <p:extLst>
       <p:ext uri="{BB962C8B-B14F-4D97-AF65-F5344CB8AC3E}">
-        <p14:creationId xmlns:p14="http://schemas.microsoft.com/office/powerpoint/2010/main" val="555089659"/>
+        <p14:creationId xmlns:p14="http://schemas.microsoft.com/office/powerpoint/2010/main" val="987960455"/>
       </p:ext>
     </p:extLst>
   </p:cSld>
@@ -1266,7 +1337,7 @@
     </p:spTree>
     <p:extLst>
       <p:ext uri="{BB962C8B-B14F-4D97-AF65-F5344CB8AC3E}">
-        <p14:creationId xmlns:p14="http://schemas.microsoft.com/office/powerpoint/2010/main" val="2596391621"/>
+        <p14:creationId xmlns:p14="http://schemas.microsoft.com/office/powerpoint/2010/main" val="555089659"/>
       </p:ext>
     </p:extLst>
   </p:cSld>
@@ -1407,7 +1478,7 @@
           <a:p>
             <a:fld id="{298D882B-5A41-460A-9DA9-3B63EC207C13}" type="datetime1">
               <a:rPr lang="pt-BR" smtClean="0"/>
-              <a:t>16/12/2017</a:t>
+              <a:t>18/12/2017</a:t>
             </a:fld>
             <a:endParaRPr lang="pt-BR"/>
           </a:p>
@@ -1577,7 +1648,7 @@
           <a:p>
             <a:fld id="{E5A28C86-F7AE-49FD-9FFC-07B252CCB542}" type="datetime1">
               <a:rPr lang="pt-BR" smtClean="0"/>
-              <a:t>16/12/2017</a:t>
+              <a:t>18/12/2017</a:t>
             </a:fld>
             <a:endParaRPr lang="pt-BR"/>
           </a:p>
@@ -1757,7 +1828,7 @@
           <a:p>
             <a:fld id="{91980609-91E3-482C-9BE9-49AB62669438}" type="datetime1">
               <a:rPr lang="pt-BR" smtClean="0"/>
-              <a:t>16/12/2017</a:t>
+              <a:t>18/12/2017</a:t>
             </a:fld>
             <a:endParaRPr lang="pt-BR"/>
           </a:p>
@@ -1927,7 +1998,7 @@
           <a:p>
             <a:fld id="{18D5799C-07CF-4799-BAB9-A976976880AD}" type="datetime1">
               <a:rPr lang="pt-BR" smtClean="0"/>
-              <a:t>16/12/2017</a:t>
+              <a:t>18/12/2017</a:t>
             </a:fld>
             <a:endParaRPr lang="pt-BR"/>
           </a:p>
@@ -2173,7 +2244,7 @@
           <a:p>
             <a:fld id="{C5B36B2B-A704-4D22-86FF-E0750024BB62}" type="datetime1">
               <a:rPr lang="pt-BR" smtClean="0"/>
-              <a:t>16/12/2017</a:t>
+              <a:t>18/12/2017</a:t>
             </a:fld>
             <a:endParaRPr lang="pt-BR"/>
           </a:p>
@@ -2405,7 +2476,7 @@
           <a:p>
             <a:fld id="{1C7E2C60-0ECE-4188-A556-D3A50C93E225}" type="datetime1">
               <a:rPr lang="pt-BR" smtClean="0"/>
-              <a:t>16/12/2017</a:t>
+              <a:t>18/12/2017</a:t>
             </a:fld>
             <a:endParaRPr lang="pt-BR"/>
           </a:p>
@@ -2772,7 +2843,7 @@
           <a:p>
             <a:fld id="{B93B15AC-BD23-40B7-8E8F-C67ED6CC6459}" type="datetime1">
               <a:rPr lang="pt-BR" smtClean="0"/>
-              <a:t>16/12/2017</a:t>
+              <a:t>18/12/2017</a:t>
             </a:fld>
             <a:endParaRPr lang="pt-BR"/>
           </a:p>
@@ -2890,7 +2961,7 @@
           <a:p>
             <a:fld id="{18284167-BEB4-45C0-9CEF-90AF5236FB6C}" type="datetime1">
               <a:rPr lang="pt-BR" smtClean="0"/>
-              <a:t>16/12/2017</a:t>
+              <a:t>18/12/2017</a:t>
             </a:fld>
             <a:endParaRPr lang="pt-BR"/>
           </a:p>
@@ -2985,7 +3056,7 @@
           <a:p>
             <a:fld id="{60CB051B-9C0B-41A0-9B54-EEDA1670BF1B}" type="datetime1">
               <a:rPr lang="pt-BR" smtClean="0"/>
-              <a:t>16/12/2017</a:t>
+              <a:t>18/12/2017</a:t>
             </a:fld>
             <a:endParaRPr lang="pt-BR"/>
           </a:p>
@@ -3262,7 +3333,7 @@
           <a:p>
             <a:fld id="{3321B3FA-7AD1-4FB0-A08C-3FB70403E431}" type="datetime1">
               <a:rPr lang="pt-BR" smtClean="0"/>
-              <a:t>16/12/2017</a:t>
+              <a:t>18/12/2017</a:t>
             </a:fld>
             <a:endParaRPr lang="pt-BR"/>
           </a:p>
@@ -3515,7 +3586,7 @@
           <a:p>
             <a:fld id="{7FE68B24-C57D-4056-94C5-49C2B2300E99}" type="datetime1">
               <a:rPr lang="pt-BR" smtClean="0"/>
-              <a:t>16/12/2017</a:t>
+              <a:t>18/12/2017</a:t>
             </a:fld>
             <a:endParaRPr lang="pt-BR"/>
           </a:p>
@@ -3728,7 +3799,7 @@
           <a:p>
             <a:fld id="{0C274759-B4A2-4D22-B74E-6EE2D19243EF}" type="datetime1">
               <a:rPr lang="pt-BR" smtClean="0"/>
-              <a:t>16/12/2017</a:t>
+              <a:t>18/12/2017</a:t>
             </a:fld>
             <a:endParaRPr lang="pt-BR"/>
           </a:p>
@@ -6600,7 +6671,11 @@
             <a:pPr algn="ctr"/>
             <a:r>
               <a:rPr lang="pt-BR" sz="2800" dirty="0" smtClean="0"/>
-              <a:t>(VIOLA; JONES, 2004)</a:t>
+              <a:t>(VIOLA; JONES, </a:t>
+            </a:r>
+            <a:r>
+              <a:rPr lang="pt-BR" sz="2800" dirty="0" smtClean="0"/>
+              <a:t>2004)</a:t>
             </a:r>
             <a:endParaRPr lang="pt-BR" sz="2800" dirty="0"/>
           </a:p>
@@ -9036,6 +9111,9 @@
             <a:avLst/>
           </a:prstGeom>
           <a:ln w="22225">
+            <a:solidFill>
+              <a:schemeClr val="bg1"/>
+            </a:solidFill>
             <a:headEnd type="diamond"/>
             <a:tailEnd type="none"/>
           </a:ln>
@@ -9123,6 +9201,9 @@
             <a:avLst/>
           </a:prstGeom>
           <a:ln w="22225">
+            <a:solidFill>
+              <a:schemeClr val="bg1"/>
+            </a:solidFill>
             <a:headEnd type="none"/>
             <a:tailEnd type="diamond"/>
           </a:ln>
@@ -9210,6 +9291,9 @@
             <a:avLst/>
           </a:prstGeom>
           <a:ln w="22225">
+            <a:solidFill>
+              <a:schemeClr val="bg1"/>
+            </a:solidFill>
             <a:headEnd type="none"/>
             <a:tailEnd type="diamond"/>
           </a:ln>
@@ -9244,6 +9328,9 @@
             <a:avLst/>
           </a:prstGeom>
           <a:ln w="22225">
+            <a:solidFill>
+              <a:schemeClr val="bg1"/>
+            </a:solidFill>
             <a:headEnd type="diamond"/>
             <a:tailEnd type="none"/>
           </a:ln>
@@ -9345,7 +9432,11 @@
           <a:prstGeom prst="leftBrace">
             <a:avLst/>
           </a:prstGeom>
-          <a:ln w="22225"/>
+          <a:ln w="22225">
+            <a:solidFill>
+              <a:schemeClr val="bg1"/>
+            </a:solidFill>
+          </a:ln>
         </p:spPr>
         <p:style>
           <a:lnRef idx="1">
@@ -10340,7 +10431,7 @@
           <p:nvPr>
             <p:extLst>
               <p:ext uri="{D42A27DB-BD31-4B8C-83A1-F6EECF244321}">
-                <p14:modId xmlns:p14="http://schemas.microsoft.com/office/powerpoint/2010/main" val="1276310417"/>
+                <p14:modId xmlns:p14="http://schemas.microsoft.com/office/powerpoint/2010/main" val="2703358012"/>
               </p:ext>
             </p:extLst>
           </p:nvPr>
@@ -10416,7 +10507,7 @@
                       <a:pPr algn="ctr"/>
                       <a:r>
                         <a:rPr lang="pt-BR" dirty="0" smtClean="0"/>
-                        <a:t>90,07%</a:t>
+                        <a:t>90,19%</a:t>
                       </a:r>
                       <a:endParaRPr lang="pt-BR" dirty="0"/>
                     </a:p>
@@ -10431,7 +10522,7 @@
                       <a:pPr algn="ctr"/>
                       <a:r>
                         <a:rPr lang="pt-BR" dirty="0" smtClean="0"/>
-                        <a:t>90,11%</a:t>
+                        <a:t>90,24%</a:t>
                       </a:r>
                       <a:endParaRPr lang="pt-BR" dirty="0"/>
                     </a:p>
@@ -11492,7 +11583,7 @@
           <p:nvPr>
             <p:extLst>
               <p:ext uri="{D42A27DB-BD31-4B8C-83A1-F6EECF244321}">
-                <p14:modId xmlns:p14="http://schemas.microsoft.com/office/powerpoint/2010/main" val="4036034793"/>
+                <p14:modId xmlns:p14="http://schemas.microsoft.com/office/powerpoint/2010/main" val="335794257"/>
               </p:ext>
             </p:extLst>
           </p:nvPr>
@@ -11629,7 +11720,7 @@
                       </a:pPr>
                       <a:r>
                         <a:rPr lang="pt-BR" dirty="0" smtClean="0"/>
-                        <a:t>96,46%</a:t>
+                        <a:t>92,46%</a:t>
                       </a:r>
                     </a:p>
                   </a:txBody>
@@ -11642,7 +11733,7 @@
       </p:graphicFrame>
       <p:pic>
         <p:nvPicPr>
-          <p:cNvPr id="2" name="Imagem 1"/>
+          <p:cNvPr id="3" name="Imagem 2"/>
           <p:cNvPicPr>
             <a:picLocks noChangeAspect="1"/>
           </p:cNvPicPr>
@@ -11656,8 +11747,8 @@
         </p:blipFill>
         <p:spPr>
           <a:xfrm>
-            <a:off x="2959554" y="1738359"/>
-            <a:ext cx="5505450" cy="4238625"/>
+            <a:off x="3235682" y="1694063"/>
+            <a:ext cx="5427741" cy="4237200"/>
           </a:xfrm>
           <a:prstGeom prst="rect">
             <a:avLst/>
@@ -13721,7 +13812,7 @@
           <p:nvPr>
             <p:extLst>
               <p:ext uri="{D42A27DB-BD31-4B8C-83A1-F6EECF244321}">
-                <p14:modId xmlns:p14="http://schemas.microsoft.com/office/powerpoint/2010/main" val="1510329285"/>
+                <p14:modId xmlns:p14="http://schemas.microsoft.com/office/powerpoint/2010/main" val="1468669264"/>
               </p:ext>
             </p:extLst>
           </p:nvPr>
@@ -13828,7 +13919,7 @@
                       <a:pPr algn="ctr"/>
                       <a:r>
                         <a:rPr lang="pt-BR" dirty="0" smtClean="0"/>
-                        <a:t>90,07%</a:t>
+                        <a:t>90,19%</a:t>
                       </a:r>
                       <a:endParaRPr lang="pt-BR" dirty="0"/>
                     </a:p>
@@ -13843,7 +13934,7 @@
                       <a:pPr algn="ctr"/>
                       <a:r>
                         <a:rPr lang="pt-BR" dirty="0" smtClean="0"/>
-                        <a:t>90,11%</a:t>
+                        <a:t>90,24%</a:t>
                       </a:r>
                       <a:endParaRPr lang="pt-BR" dirty="0"/>
                     </a:p>
@@ -14343,6 +14434,744 @@
   <p:cSld>
     <p:bg>
       <p:bgPr>
+        <a:blipFill dpi="0" rotWithShape="1">
+          <a:blip r:embed="rId3">
+            <a:lum/>
+          </a:blip>
+          <a:srcRect/>
+          <a:stretch>
+            <a:fillRect t="-1000" b="-1000"/>
+          </a:stretch>
+        </a:blipFill>
+        <a:effectLst/>
+      </p:bgPr>
+    </p:bg>
+    <p:spTree>
+      <p:nvGrpSpPr>
+        <p:cNvPr id="1" name=""/>
+        <p:cNvGrpSpPr/>
+        <p:nvPr/>
+      </p:nvGrpSpPr>
+      <p:grpSpPr>
+        <a:xfrm>
+          <a:off x="0" y="0"/>
+          <a:ext cx="0" cy="0"/>
+          <a:chOff x="0" y="0"/>
+          <a:chExt cx="0" cy="0"/>
+        </a:xfrm>
+      </p:grpSpPr>
+      <p:sp>
+        <p:nvSpPr>
+          <p:cNvPr id="4" name="Espaço Reservado para Número de Slide 3"/>
+          <p:cNvSpPr>
+            <a:spLocks noGrp="1"/>
+          </p:cNvSpPr>
+          <p:nvPr>
+            <p:ph type="sldNum" sz="quarter" idx="12"/>
+          </p:nvPr>
+        </p:nvSpPr>
+        <p:spPr/>
+        <p:txBody>
+          <a:bodyPr/>
+          <a:lstStyle/>
+          <a:p>
+            <a:fld id="{8B96A95E-A34D-4337-A5C6-7E937AA0324D}" type="slidenum">
+              <a:rPr lang="pt-BR" smtClean="0"/>
+              <a:t>28</a:t>
+            </a:fld>
+            <a:endParaRPr lang="pt-BR"/>
+          </a:p>
+        </p:txBody>
+      </p:sp>
+      <p:sp>
+        <p:nvSpPr>
+          <p:cNvPr id="10" name="Espaço Reservado para Conteúdo 2"/>
+          <p:cNvSpPr txBox="1">
+            <a:spLocks/>
+          </p:cNvSpPr>
+          <p:nvPr/>
+        </p:nvSpPr>
+        <p:spPr>
+          <a:xfrm>
+            <a:off x="838200" y="2205581"/>
+            <a:ext cx="10515600" cy="3843973"/>
+          </a:xfrm>
+          <a:prstGeom prst="rect">
+            <a:avLst/>
+          </a:prstGeom>
+        </p:spPr>
+        <p:txBody>
+          <a:bodyPr vert="horz" lIns="91440" tIns="45720" rIns="91440" bIns="45720" rtlCol="0">
+            <a:normAutofit/>
+          </a:bodyPr>
+          <a:lstStyle>
+            <a:lvl1pPr marL="228600" indent="-228600" algn="l" defTabSz="914400" rtl="0" eaLnBrk="1" latinLnBrk="0" hangingPunct="1">
+              <a:lnSpc>
+                <a:spcPct val="90000"/>
+              </a:lnSpc>
+              <a:spcBef>
+                <a:spcPts val="1000"/>
+              </a:spcBef>
+              <a:buFont typeface="Arial" panose="020B0604020202020204" pitchFamily="34" charset="0"/>
+              <a:buChar char="•"/>
+              <a:defRPr sz="2800" kern="1200">
+                <a:solidFill>
+                  <a:schemeClr val="tx1"/>
+                </a:solidFill>
+                <a:latin typeface="+mn-lt"/>
+                <a:ea typeface="+mn-ea"/>
+                <a:cs typeface="+mn-cs"/>
+              </a:defRPr>
+            </a:lvl1pPr>
+            <a:lvl2pPr marL="685800" indent="-228600" algn="l" defTabSz="914400" rtl="0" eaLnBrk="1" latinLnBrk="0" hangingPunct="1">
+              <a:lnSpc>
+                <a:spcPct val="90000"/>
+              </a:lnSpc>
+              <a:spcBef>
+                <a:spcPts val="500"/>
+              </a:spcBef>
+              <a:buFont typeface="Arial" panose="020B0604020202020204" pitchFamily="34" charset="0"/>
+              <a:buChar char="•"/>
+              <a:defRPr sz="2400" kern="1200">
+                <a:solidFill>
+                  <a:schemeClr val="tx1"/>
+                </a:solidFill>
+                <a:latin typeface="+mn-lt"/>
+                <a:ea typeface="+mn-ea"/>
+                <a:cs typeface="+mn-cs"/>
+              </a:defRPr>
+            </a:lvl2pPr>
+            <a:lvl3pPr marL="1143000" indent="-228600" algn="l" defTabSz="914400" rtl="0" eaLnBrk="1" latinLnBrk="0" hangingPunct="1">
+              <a:lnSpc>
+                <a:spcPct val="90000"/>
+              </a:lnSpc>
+              <a:spcBef>
+                <a:spcPts val="500"/>
+              </a:spcBef>
+              <a:buFont typeface="Arial" panose="020B0604020202020204" pitchFamily="34" charset="0"/>
+              <a:buChar char="•"/>
+              <a:defRPr sz="2000" kern="1200">
+                <a:solidFill>
+                  <a:schemeClr val="tx1"/>
+                </a:solidFill>
+                <a:latin typeface="+mn-lt"/>
+                <a:ea typeface="+mn-ea"/>
+                <a:cs typeface="+mn-cs"/>
+              </a:defRPr>
+            </a:lvl3pPr>
+            <a:lvl4pPr marL="1600200" indent="-228600" algn="l" defTabSz="914400" rtl="0" eaLnBrk="1" latinLnBrk="0" hangingPunct="1">
+              <a:lnSpc>
+                <a:spcPct val="90000"/>
+              </a:lnSpc>
+              <a:spcBef>
+                <a:spcPts val="500"/>
+              </a:spcBef>
+              <a:buFont typeface="Arial" panose="020B0604020202020204" pitchFamily="34" charset="0"/>
+              <a:buChar char="•"/>
+              <a:defRPr sz="1800" kern="1200">
+                <a:solidFill>
+                  <a:schemeClr val="tx1"/>
+                </a:solidFill>
+                <a:latin typeface="+mn-lt"/>
+                <a:ea typeface="+mn-ea"/>
+                <a:cs typeface="+mn-cs"/>
+              </a:defRPr>
+            </a:lvl4pPr>
+            <a:lvl5pPr marL="2057400" indent="-228600" algn="l" defTabSz="914400" rtl="0" eaLnBrk="1" latinLnBrk="0" hangingPunct="1">
+              <a:lnSpc>
+                <a:spcPct val="90000"/>
+              </a:lnSpc>
+              <a:spcBef>
+                <a:spcPts val="500"/>
+              </a:spcBef>
+              <a:buFont typeface="Arial" panose="020B0604020202020204" pitchFamily="34" charset="0"/>
+              <a:buChar char="•"/>
+              <a:defRPr sz="1800" kern="1200">
+                <a:solidFill>
+                  <a:schemeClr val="tx1"/>
+                </a:solidFill>
+                <a:latin typeface="+mn-lt"/>
+                <a:ea typeface="+mn-ea"/>
+                <a:cs typeface="+mn-cs"/>
+              </a:defRPr>
+            </a:lvl5pPr>
+            <a:lvl6pPr marL="2514600" indent="-228600" algn="l" defTabSz="914400" rtl="0" eaLnBrk="1" latinLnBrk="0" hangingPunct="1">
+              <a:lnSpc>
+                <a:spcPct val="90000"/>
+              </a:lnSpc>
+              <a:spcBef>
+                <a:spcPts val="500"/>
+              </a:spcBef>
+              <a:buFont typeface="Arial" panose="020B0604020202020204" pitchFamily="34" charset="0"/>
+              <a:buChar char="•"/>
+              <a:defRPr sz="1800" kern="1200">
+                <a:solidFill>
+                  <a:schemeClr val="tx1"/>
+                </a:solidFill>
+                <a:latin typeface="+mn-lt"/>
+                <a:ea typeface="+mn-ea"/>
+                <a:cs typeface="+mn-cs"/>
+              </a:defRPr>
+            </a:lvl6pPr>
+            <a:lvl7pPr marL="2971800" indent="-228600" algn="l" defTabSz="914400" rtl="0" eaLnBrk="1" latinLnBrk="0" hangingPunct="1">
+              <a:lnSpc>
+                <a:spcPct val="90000"/>
+              </a:lnSpc>
+              <a:spcBef>
+                <a:spcPts val="500"/>
+              </a:spcBef>
+              <a:buFont typeface="Arial" panose="020B0604020202020204" pitchFamily="34" charset="0"/>
+              <a:buChar char="•"/>
+              <a:defRPr sz="1800" kern="1200">
+                <a:solidFill>
+                  <a:schemeClr val="tx1"/>
+                </a:solidFill>
+                <a:latin typeface="+mn-lt"/>
+                <a:ea typeface="+mn-ea"/>
+                <a:cs typeface="+mn-cs"/>
+              </a:defRPr>
+            </a:lvl7pPr>
+            <a:lvl8pPr marL="3429000" indent="-228600" algn="l" defTabSz="914400" rtl="0" eaLnBrk="1" latinLnBrk="0" hangingPunct="1">
+              <a:lnSpc>
+                <a:spcPct val="90000"/>
+              </a:lnSpc>
+              <a:spcBef>
+                <a:spcPts val="500"/>
+              </a:spcBef>
+              <a:buFont typeface="Arial" panose="020B0604020202020204" pitchFamily="34" charset="0"/>
+              <a:buChar char="•"/>
+              <a:defRPr sz="1800" kern="1200">
+                <a:solidFill>
+                  <a:schemeClr val="tx1"/>
+                </a:solidFill>
+                <a:latin typeface="+mn-lt"/>
+                <a:ea typeface="+mn-ea"/>
+                <a:cs typeface="+mn-cs"/>
+              </a:defRPr>
+            </a:lvl8pPr>
+            <a:lvl9pPr marL="3886200" indent="-228600" algn="l" defTabSz="914400" rtl="0" eaLnBrk="1" latinLnBrk="0" hangingPunct="1">
+              <a:lnSpc>
+                <a:spcPct val="90000"/>
+              </a:lnSpc>
+              <a:spcBef>
+                <a:spcPts val="500"/>
+              </a:spcBef>
+              <a:buFont typeface="Arial" panose="020B0604020202020204" pitchFamily="34" charset="0"/>
+              <a:buChar char="•"/>
+              <a:defRPr sz="1800" kern="1200">
+                <a:solidFill>
+                  <a:schemeClr val="tx1"/>
+                </a:solidFill>
+                <a:latin typeface="+mn-lt"/>
+                <a:ea typeface="+mn-ea"/>
+                <a:cs typeface="+mn-cs"/>
+              </a:defRPr>
+            </a:lvl9pPr>
+          </a:lstStyle>
+          <a:p>
+            <a:pPr lvl="1">
+              <a:buFont typeface="Wingdings" panose="05000000000000000000" pitchFamily="2" charset="2"/>
+              <a:buChar char="ü"/>
+            </a:pPr>
+            <a:endParaRPr lang="pt-BR" sz="2000" dirty="0"/>
+          </a:p>
+          <a:p>
+            <a:pPr lvl="1">
+              <a:buFont typeface="Wingdings" panose="05000000000000000000" pitchFamily="2" charset="2"/>
+              <a:buChar char="ü"/>
+            </a:pPr>
+            <a:endParaRPr lang="pt-BR" sz="2000" dirty="0" smtClean="0"/>
+          </a:p>
+          <a:p>
+            <a:pPr marL="457200" lvl="0" indent="-457200">
+              <a:buFont typeface="+mj-lt"/>
+              <a:buAutoNum type="alphaLcParenR"/>
+            </a:pPr>
+            <a:endParaRPr lang="pt-BR" sz="2400" dirty="0"/>
+          </a:p>
+        </p:txBody>
+      </p:sp>
+      <p:sp>
+        <p:nvSpPr>
+          <p:cNvPr id="5" name="CaixaDeTexto 4"/>
+          <p:cNvSpPr txBox="1"/>
+          <p:nvPr/>
+        </p:nvSpPr>
+        <p:spPr>
+          <a:xfrm>
+            <a:off x="7736115" y="2550564"/>
+            <a:ext cx="1146628" cy="369332"/>
+          </a:xfrm>
+          <a:prstGeom prst="rect">
+            <a:avLst/>
+          </a:prstGeom>
+          <a:noFill/>
+        </p:spPr>
+        <p:txBody>
+          <a:bodyPr wrap="square" rtlCol="0">
+            <a:spAutoFit/>
+          </a:bodyPr>
+          <a:lstStyle/>
+          <a:p>
+            <a:endParaRPr lang="pt-BR" dirty="0"/>
+          </a:p>
+        </p:txBody>
+      </p:sp>
+      <p:graphicFrame>
+        <p:nvGraphicFramePr>
+          <p:cNvPr id="14" name="Tabela 13"/>
+          <p:cNvGraphicFramePr>
+            <a:graphicFrameLocks noGrp="1"/>
+          </p:cNvGraphicFramePr>
+          <p:nvPr>
+            <p:extLst>
+              <p:ext uri="{D42A27DB-BD31-4B8C-83A1-F6EECF244321}">
+                <p14:modId xmlns:p14="http://schemas.microsoft.com/office/powerpoint/2010/main" val="1309761278"/>
+              </p:ext>
+            </p:extLst>
+          </p:nvPr>
+        </p:nvGraphicFramePr>
+        <p:xfrm>
+          <a:off x="1746000" y="5326194"/>
+          <a:ext cx="9056916" cy="741680"/>
+        </p:xfrm>
+        <a:graphic>
+          <a:graphicData uri="http://schemas.openxmlformats.org/drawingml/2006/table">
+            <a:tbl>
+              <a:tblPr firstRow="1" bandRow="1">
+                <a:tableStyleId>{21E4AEA4-8DFA-4A89-87EB-49C32662AFE0}</a:tableStyleId>
+              </a:tblPr>
+              <a:tblGrid>
+                <a:gridCol w="2264229"/>
+                <a:gridCol w="2264229"/>
+                <a:gridCol w="2264229"/>
+                <a:gridCol w="2264229"/>
+              </a:tblGrid>
+              <a:tr h="370840">
+                <a:tc>
+                  <a:txBody>
+                    <a:bodyPr/>
+                    <a:lstStyle/>
+                    <a:p>
+                      <a:pPr algn="ctr"/>
+                      <a:r>
+                        <a:rPr lang="pt-BR" dirty="0" smtClean="0"/>
+                        <a:t>Classificador</a:t>
+                      </a:r>
+                      <a:endParaRPr lang="pt-BR" dirty="0"/>
+                    </a:p>
+                  </a:txBody>
+                  <a:tcPr>
+                    <a:solidFill>
+                      <a:srgbClr val="A62F0E"/>
+                    </a:solidFill>
+                  </a:tcPr>
+                </a:tc>
+                <a:tc>
+                  <a:txBody>
+                    <a:bodyPr/>
+                    <a:lstStyle/>
+                    <a:p>
+                      <a:pPr algn="ctr"/>
+                      <a:r>
+                        <a:rPr lang="pt-BR" dirty="0" err="1" smtClean="0"/>
+                        <a:t>Precision</a:t>
+                      </a:r>
+                      <a:endParaRPr lang="pt-BR" dirty="0"/>
+                    </a:p>
+                  </a:txBody>
+                  <a:tcPr>
+                    <a:solidFill>
+                      <a:srgbClr val="A62F0E"/>
+                    </a:solidFill>
+                  </a:tcPr>
+                </a:tc>
+                <a:tc>
+                  <a:txBody>
+                    <a:bodyPr/>
+                    <a:lstStyle/>
+                    <a:p>
+                      <a:pPr algn="ctr"/>
+                      <a:r>
+                        <a:rPr lang="pt-BR" dirty="0" smtClean="0"/>
+                        <a:t>Recall</a:t>
+                      </a:r>
+                      <a:endParaRPr lang="pt-BR" dirty="0"/>
+                    </a:p>
+                  </a:txBody>
+                  <a:tcPr>
+                    <a:solidFill>
+                      <a:srgbClr val="A62F0E"/>
+                    </a:solidFill>
+                  </a:tcPr>
+                </a:tc>
+                <a:tc>
+                  <a:txBody>
+                    <a:bodyPr/>
+                    <a:lstStyle/>
+                    <a:p>
+                      <a:pPr algn="ctr"/>
+                      <a:r>
+                        <a:rPr lang="pt-BR" dirty="0" smtClean="0"/>
+                        <a:t>F-Score</a:t>
+                      </a:r>
+                      <a:endParaRPr lang="pt-BR" dirty="0"/>
+                    </a:p>
+                  </a:txBody>
+                  <a:tcPr>
+                    <a:solidFill>
+                      <a:srgbClr val="A62F0E"/>
+                    </a:solidFill>
+                  </a:tcPr>
+                </a:tc>
+              </a:tr>
+              <a:tr h="370840">
+                <a:tc>
+                  <a:txBody>
+                    <a:bodyPr/>
+                    <a:lstStyle/>
+                    <a:p>
+                      <a:pPr algn="ctr"/>
+                      <a:r>
+                        <a:rPr lang="pt-BR" dirty="0" smtClean="0"/>
+                        <a:t>FLORESTA ALEATÓRIA</a:t>
+                      </a:r>
+                      <a:endParaRPr lang="pt-BR" b="1" dirty="0"/>
+                    </a:p>
+                  </a:txBody>
+                  <a:tcPr/>
+                </a:tc>
+                <a:tc>
+                  <a:txBody>
+                    <a:bodyPr/>
+                    <a:lstStyle/>
+                    <a:p>
+                      <a:pPr algn="ctr"/>
+                      <a:r>
+                        <a:rPr lang="pt-BR" dirty="0" smtClean="0"/>
+                        <a:t>95,53%</a:t>
+                      </a:r>
+                      <a:endParaRPr lang="pt-BR" b="1" dirty="0"/>
+                    </a:p>
+                  </a:txBody>
+                  <a:tcPr/>
+                </a:tc>
+                <a:tc>
+                  <a:txBody>
+                    <a:bodyPr/>
+                    <a:lstStyle/>
+                    <a:p>
+                      <a:pPr algn="ctr"/>
+                      <a:r>
+                        <a:rPr lang="pt-BR" dirty="0" smtClean="0"/>
+                        <a:t>93,04%</a:t>
+                      </a:r>
+                      <a:endParaRPr lang="pt-BR" b="1" dirty="0"/>
+                    </a:p>
+                  </a:txBody>
+                  <a:tcPr/>
+                </a:tc>
+                <a:tc>
+                  <a:txBody>
+                    <a:bodyPr/>
+                    <a:lstStyle/>
+                    <a:p>
+                      <a:pPr algn="ctr"/>
+                      <a:r>
+                        <a:rPr lang="pt-BR" dirty="0" smtClean="0"/>
+                        <a:t>94,27%</a:t>
+                      </a:r>
+                      <a:endParaRPr lang="pt-BR" b="1" dirty="0"/>
+                    </a:p>
+                  </a:txBody>
+                  <a:tcPr/>
+                </a:tc>
+              </a:tr>
+            </a:tbl>
+          </a:graphicData>
+        </a:graphic>
+      </p:graphicFrame>
+      <p:pic>
+        <p:nvPicPr>
+          <p:cNvPr id="1026" name="Picture 2" descr="http://crsouza.com/wp-content/uploads/2009/07/contingencia_thumb-5B1-5D.png"/>
+          <p:cNvPicPr>
+            <a:picLocks noChangeAspect="1" noChangeArrowheads="1"/>
+          </p:cNvPicPr>
+          <p:nvPr/>
+        </p:nvPicPr>
+        <p:blipFill>
+          <a:blip r:embed="rId4">
+            <a:extLst>
+              <a:ext uri="{28A0092B-C50C-407E-A947-70E740481C1C}">
+                <a14:useLocalDpi xmlns:a14="http://schemas.microsoft.com/office/drawing/2010/main" val="0"/>
+              </a:ext>
+            </a:extLst>
+          </a:blip>
+          <a:srcRect/>
+          <a:stretch>
+            <a:fillRect/>
+          </a:stretch>
+        </p:blipFill>
+        <p:spPr bwMode="auto">
+          <a:xfrm>
+            <a:off x="2403823" y="1468219"/>
+            <a:ext cx="3870635" cy="2524328"/>
+          </a:xfrm>
+          <a:prstGeom prst="rect">
+            <a:avLst/>
+          </a:prstGeom>
+          <a:noFill/>
+          <a:extLst>
+            <a:ext uri="{909E8E84-426E-40DD-AFC4-6F175D3DCCD1}">
+              <a14:hiddenFill xmlns:a14="http://schemas.microsoft.com/office/drawing/2010/main">
+                <a:solidFill>
+                  <a:srgbClr val="FFFFFF"/>
+                </a:solidFill>
+              </a14:hiddenFill>
+            </a:ext>
+          </a:extLst>
+        </p:spPr>
+      </p:pic>
+      <p:sp>
+        <p:nvSpPr>
+          <p:cNvPr id="13" name="Título 1"/>
+          <p:cNvSpPr txBox="1">
+            <a:spLocks/>
+          </p:cNvSpPr>
+          <p:nvPr/>
+        </p:nvSpPr>
+        <p:spPr>
+          <a:xfrm>
+            <a:off x="838200" y="337700"/>
+            <a:ext cx="10515600" cy="875694"/>
+          </a:xfrm>
+          <a:prstGeom prst="rect">
+            <a:avLst/>
+          </a:prstGeom>
+        </p:spPr>
+        <p:txBody>
+          <a:bodyPr vert="horz" lIns="91440" tIns="45720" rIns="91440" bIns="45720" rtlCol="0" anchor="ctr">
+            <a:normAutofit/>
+          </a:bodyPr>
+          <a:lstStyle>
+            <a:lvl1pPr algn="l" defTabSz="914400" rtl="0" eaLnBrk="1" latinLnBrk="0" hangingPunct="1">
+              <a:lnSpc>
+                <a:spcPct val="90000"/>
+              </a:lnSpc>
+              <a:spcBef>
+                <a:spcPct val="0"/>
+              </a:spcBef>
+              <a:buNone/>
+              <a:defRPr sz="4400" kern="1200">
+                <a:solidFill>
+                  <a:schemeClr val="tx1"/>
+                </a:solidFill>
+                <a:latin typeface="+mj-lt"/>
+                <a:ea typeface="+mj-ea"/>
+                <a:cs typeface="+mj-cs"/>
+              </a:defRPr>
+            </a:lvl1pPr>
+          </a:lstStyle>
+          <a:p>
+            <a:r>
+              <a:rPr lang="pt-BR" sz="3200" dirty="0" smtClean="0">
+                <a:solidFill>
+                  <a:schemeClr val="bg1"/>
+                </a:solidFill>
+                <a:effectLst>
+                  <a:outerShdw blurRad="38100" dist="38100" dir="2700000" algn="tl">
+                    <a:srgbClr val="000000">
+                      <a:alpha val="43137"/>
+                    </a:srgbClr>
+                  </a:outerShdw>
+                </a:effectLst>
+                <a:latin typeface="Arial" panose="020B0604020202020204" pitchFamily="34" charset="0"/>
+                <a:cs typeface="Arial" panose="020B0604020202020204" pitchFamily="34" charset="0"/>
+              </a:rPr>
+              <a:t>Matriz de Confusão</a:t>
+            </a:r>
+            <a:endParaRPr lang="pt-BR" sz="3200" dirty="0">
+              <a:solidFill>
+                <a:schemeClr val="bg1"/>
+              </a:solidFill>
+              <a:effectLst>
+                <a:outerShdw blurRad="38100" dist="38100" dir="2700000" algn="tl">
+                  <a:srgbClr val="000000">
+                    <a:alpha val="43137"/>
+                  </a:srgbClr>
+                </a:outerShdw>
+              </a:effectLst>
+              <a:latin typeface="Arial" panose="020B0604020202020204" pitchFamily="34" charset="0"/>
+              <a:cs typeface="Arial" panose="020B0604020202020204" pitchFamily="34" charset="0"/>
+            </a:endParaRPr>
+          </a:p>
+        </p:txBody>
+      </p:sp>
+      <p:graphicFrame>
+        <p:nvGraphicFramePr>
+          <p:cNvPr id="7" name="Tabela 6"/>
+          <p:cNvGraphicFramePr>
+            <a:graphicFrameLocks noGrp="1"/>
+          </p:cNvGraphicFramePr>
+          <p:nvPr>
+            <p:extLst>
+              <p:ext uri="{D42A27DB-BD31-4B8C-83A1-F6EECF244321}">
+                <p14:modId xmlns:p14="http://schemas.microsoft.com/office/powerpoint/2010/main" val="2150557989"/>
+              </p:ext>
+            </p:extLst>
+          </p:nvPr>
+        </p:nvGraphicFramePr>
+        <p:xfrm>
+          <a:off x="6734825" y="2317439"/>
+          <a:ext cx="2815380" cy="1675108"/>
+        </p:xfrm>
+        <a:graphic>
+          <a:graphicData uri="http://schemas.openxmlformats.org/drawingml/2006/table">
+            <a:tbl>
+              <a:tblPr firstRow="1" bandRow="1">
+                <a:tableStyleId>{5C22544A-7EE6-4342-B048-85BDC9FD1C3A}</a:tableStyleId>
+              </a:tblPr>
+              <a:tblGrid>
+                <a:gridCol w="1407690"/>
+                <a:gridCol w="1407690"/>
+              </a:tblGrid>
+              <a:tr h="831777">
+                <a:tc>
+                  <a:txBody>
+                    <a:bodyPr/>
+                    <a:lstStyle/>
+                    <a:p>
+                      <a:pPr algn="ctr"/>
+                      <a:r>
+                        <a:rPr lang="pt-BR" dirty="0" smtClean="0">
+                          <a:solidFill>
+                            <a:schemeClr val="tx1"/>
+                          </a:solidFill>
+                        </a:rPr>
+                        <a:t>642</a:t>
+                      </a:r>
+                      <a:endParaRPr lang="pt-BR" dirty="0">
+                        <a:solidFill>
+                          <a:schemeClr val="tx1"/>
+                        </a:solidFill>
+                      </a:endParaRPr>
+                    </a:p>
+                  </a:txBody>
+                  <a:tcPr anchor="ctr" anchorCtr="1">
+                    <a:solidFill>
+                      <a:schemeClr val="accent2">
+                        <a:lumMod val="40000"/>
+                        <a:lumOff val="60000"/>
+                      </a:schemeClr>
+                    </a:solidFill>
+                  </a:tcPr>
+                </a:tc>
+                <a:tc>
+                  <a:txBody>
+                    <a:bodyPr/>
+                    <a:lstStyle/>
+                    <a:p>
+                      <a:pPr algn="ctr"/>
+                      <a:r>
+                        <a:rPr lang="pt-BR" b="1" dirty="0" smtClean="0">
+                          <a:solidFill>
+                            <a:schemeClr val="tx1"/>
+                          </a:solidFill>
+                        </a:rPr>
+                        <a:t>30</a:t>
+                      </a:r>
+                      <a:endParaRPr lang="pt-BR" b="1" dirty="0">
+                        <a:solidFill>
+                          <a:schemeClr val="tx1"/>
+                        </a:solidFill>
+                      </a:endParaRPr>
+                    </a:p>
+                  </a:txBody>
+                  <a:tcPr anchor="ctr" anchorCtr="1">
+                    <a:solidFill>
+                      <a:schemeClr val="accent2">
+                        <a:lumMod val="40000"/>
+                        <a:lumOff val="60000"/>
+                      </a:schemeClr>
+                    </a:solidFill>
+                  </a:tcPr>
+                </a:tc>
+              </a:tr>
+              <a:tr h="843331">
+                <a:tc>
+                  <a:txBody>
+                    <a:bodyPr/>
+                    <a:lstStyle/>
+                    <a:p>
+                      <a:pPr algn="ctr"/>
+                      <a:r>
+                        <a:rPr lang="pt-BR" b="1" dirty="0" smtClean="0"/>
+                        <a:t>48</a:t>
+                      </a:r>
+                      <a:endParaRPr lang="pt-BR" b="1" dirty="0"/>
+                    </a:p>
+                  </a:txBody>
+                  <a:tcPr anchor="ctr" anchorCtr="1">
+                    <a:solidFill>
+                      <a:schemeClr val="accent2">
+                        <a:lumMod val="40000"/>
+                        <a:lumOff val="60000"/>
+                      </a:schemeClr>
+                    </a:solidFill>
+                  </a:tcPr>
+                </a:tc>
+                <a:tc>
+                  <a:txBody>
+                    <a:bodyPr/>
+                    <a:lstStyle/>
+                    <a:p>
+                      <a:pPr algn="ctr"/>
+                      <a:r>
+                        <a:rPr lang="pt-BR" b="1" dirty="0" smtClean="0"/>
+                        <a:t>554</a:t>
+                      </a:r>
+                      <a:endParaRPr lang="pt-BR" b="1" dirty="0"/>
+                    </a:p>
+                  </a:txBody>
+                  <a:tcPr anchor="ctr" anchorCtr="1">
+                    <a:solidFill>
+                      <a:schemeClr val="accent2">
+                        <a:lumMod val="40000"/>
+                        <a:lumOff val="60000"/>
+                      </a:schemeClr>
+                    </a:solidFill>
+                  </a:tcPr>
+                </a:tc>
+              </a:tr>
+            </a:tbl>
+          </a:graphicData>
+        </a:graphic>
+      </p:graphicFrame>
+    </p:spTree>
+    <p:extLst>
+      <p:ext uri="{BB962C8B-B14F-4D97-AF65-F5344CB8AC3E}">
+        <p14:creationId xmlns:p14="http://schemas.microsoft.com/office/powerpoint/2010/main" val="1573266679"/>
+      </p:ext>
+    </p:extLst>
+  </p:cSld>
+  <p:clrMapOvr>
+    <a:masterClrMapping/>
+  </p:clrMapOvr>
+  <p:timing>
+    <p:tnLst>
+      <p:par>
+        <p:cTn id="1" dur="indefinite" restart="never" nodeType="tmRoot"/>
+      </p:par>
+    </p:tnLst>
+  </p:timing>
+</p:sld>
+</file>
+
+<file path=ppt/slides/slide29.xml><?xml version="1.0" encoding="utf-8"?>
+<p:sld xmlns:a="http://schemas.openxmlformats.org/drawingml/2006/main" xmlns:r="http://schemas.openxmlformats.org/officeDocument/2006/relationships" xmlns:p="http://schemas.openxmlformats.org/presentationml/2006/main">
+  <p:cSld>
+    <p:bg>
+      <p:bgPr>
         <a:solidFill>
           <a:schemeClr val="bg1"/>
         </a:solidFill>
@@ -14410,7 +15239,7 @@
           <a:p>
             <a:fld id="{8B96A95E-A34D-4337-A5C6-7E937AA0324D}" type="slidenum">
               <a:rPr lang="pt-BR" smtClean="0"/>
-              <a:t>28</a:t>
+              <a:t>29</a:t>
             </a:fld>
             <a:endParaRPr lang="pt-BR"/>
           </a:p>
@@ -15269,14 +16098,20 @@
 </p:sld>
 </file>
 
-<file path=ppt/slides/slide29.xml><?xml version="1.0" encoding="utf-8"?>
+<file path=ppt/slides/slide3.xml><?xml version="1.0" encoding="utf-8"?>
 <p:sld xmlns:a="http://schemas.openxmlformats.org/drawingml/2006/main" xmlns:r="http://schemas.openxmlformats.org/officeDocument/2006/relationships" xmlns:p="http://schemas.openxmlformats.org/presentationml/2006/main">
   <p:cSld>
     <p:bg>
       <p:bgPr>
-        <a:solidFill>
-          <a:schemeClr val="bg1"/>
-        </a:solidFill>
+        <a:blipFill dpi="0" rotWithShape="1">
+          <a:blip r:embed="rId2">
+            <a:lum/>
+          </a:blip>
+          <a:srcRect/>
+          <a:stretch>
+            <a:fillRect t="-1000" b="-1000"/>
+          </a:stretch>
+        </a:blipFill>
         <a:effectLst/>
       </p:bgPr>
     </p:bg>
@@ -15311,7 +16146,7 @@
           <a:p>
             <a:fld id="{8B96A95E-A34D-4337-A5C6-7E937AA0324D}" type="slidenum">
               <a:rPr lang="pt-BR" smtClean="0"/>
-              <a:t>29</a:t>
+              <a:t>3</a:t>
             </a:fld>
             <a:endParaRPr lang="pt-BR"/>
           </a:p>
@@ -15319,7 +16154,7 @@
       </p:sp>
       <p:sp>
         <p:nvSpPr>
-          <p:cNvPr id="10" name="Espaço Reservado para Conteúdo 2"/>
+          <p:cNvPr id="5" name="Espaço Reservado para Conteúdo 2"/>
           <p:cNvSpPr txBox="1">
             <a:spLocks/>
           </p:cNvSpPr>
@@ -15327,8 +16162,8 @@
         </p:nvSpPr>
         <p:spPr>
           <a:xfrm>
-            <a:off x="838200" y="2205581"/>
-            <a:ext cx="10515600" cy="3843973"/>
+            <a:off x="379045" y="5565026"/>
+            <a:ext cx="5905526" cy="1582647"/>
           </a:xfrm>
           <a:prstGeom prst="rect">
             <a:avLst/>
@@ -15503,97 +16338,20 @@
             </a:lvl9pPr>
           </a:lstStyle>
           <a:p>
-            <a:pPr lvl="1">
-              <a:buFont typeface="Wingdings" panose="05000000000000000000" pitchFamily="2" charset="2"/>
-              <a:buChar char="ü"/>
+            <a:pPr marL="457200" lvl="1" indent="0">
+              <a:buNone/>
             </a:pPr>
-            <a:endParaRPr lang="pt-BR" sz="2000" dirty="0"/>
-          </a:p>
-          <a:p>
-            <a:pPr lvl="1">
-              <a:buFont typeface="Wingdings" panose="05000000000000000000" pitchFamily="2" charset="2"/>
-              <a:buChar char="ü"/>
+            <a:endParaRPr lang="pt-BR" sz="2000" dirty="0" smtClean="0">
+              <a:cs typeface="Arial" panose="020B0604020202020204" pitchFamily="34" charset="0"/>
+              <a:sym typeface="Wingdings" panose="05000000000000000000" pitchFamily="2" charset="2"/>
+            </a:endParaRPr>
+          </a:p>
+          <a:p>
+            <a:pPr marL="0" lvl="1" indent="0">
+              <a:buNone/>
             </a:pPr>
-            <a:endParaRPr lang="pt-BR" sz="2000" dirty="0" smtClean="0"/>
-          </a:p>
-          <a:p>
-            <a:pPr marL="457200" lvl="0" indent="-457200">
-              <a:buFont typeface="+mj-lt"/>
-              <a:buAutoNum type="alphaLcParenR"/>
-            </a:pPr>
-            <a:endParaRPr lang="pt-BR" sz="2400" dirty="0"/>
-          </a:p>
-        </p:txBody>
-      </p:sp>
-      <p:sp>
-        <p:nvSpPr>
-          <p:cNvPr id="5" name="CaixaDeTexto 4"/>
-          <p:cNvSpPr txBox="1"/>
-          <p:nvPr/>
-        </p:nvSpPr>
-        <p:spPr>
-          <a:xfrm>
-            <a:off x="7736115" y="2550564"/>
-            <a:ext cx="1146628" cy="369332"/>
-          </a:xfrm>
-          <a:prstGeom prst="rect">
-            <a:avLst/>
-          </a:prstGeom>
-          <a:noFill/>
-        </p:spPr>
-        <p:txBody>
-          <a:bodyPr wrap="square" rtlCol="0">
-            <a:spAutoFit/>
-          </a:bodyPr>
-          <a:lstStyle/>
-          <a:p>
-            <a:endParaRPr lang="pt-BR" dirty="0"/>
-          </a:p>
-        </p:txBody>
-      </p:sp>
-      <p:sp>
-        <p:nvSpPr>
-          <p:cNvPr id="15" name="Título 1"/>
-          <p:cNvSpPr txBox="1">
-            <a:spLocks/>
-          </p:cNvSpPr>
-          <p:nvPr/>
-        </p:nvSpPr>
-        <p:spPr>
-          <a:xfrm>
-            <a:off x="838200" y="337700"/>
-            <a:ext cx="10515600" cy="875694"/>
-          </a:xfrm>
-          <a:prstGeom prst="rect">
-            <a:avLst/>
-          </a:prstGeom>
-        </p:spPr>
-        <p:txBody>
-          <a:bodyPr vert="horz" lIns="91440" tIns="45720" rIns="91440" bIns="45720" rtlCol="0" anchor="ctr">
-            <a:normAutofit/>
-          </a:bodyPr>
-          <a:lstStyle>
-            <a:lvl1pPr algn="l" defTabSz="914400" rtl="0" eaLnBrk="1" latinLnBrk="0" hangingPunct="1">
-              <a:lnSpc>
-                <a:spcPct val="90000"/>
-              </a:lnSpc>
-              <a:spcBef>
-                <a:spcPct val="0"/>
-              </a:spcBef>
-              <a:buNone/>
-              <a:defRPr sz="4400" kern="1200">
-                <a:solidFill>
-                  <a:schemeClr val="tx1"/>
-                </a:solidFill>
-                <a:latin typeface="+mj-lt"/>
-                <a:ea typeface="+mj-ea"/>
-                <a:cs typeface="+mj-cs"/>
-              </a:defRPr>
-            </a:lvl1pPr>
-          </a:lstStyle>
-          <a:p>
-            <a:r>
-              <a:rPr lang="pt-BR" sz="3200" dirty="0" smtClean="0">
+            <a:r>
+              <a:rPr lang="pt-BR" sz="2800" b="1" dirty="0" smtClean="0">
                 <a:effectLst>
                   <a:outerShdw blurRad="38100" dist="38100" dir="2700000" algn="tl">
                     <a:srgbClr val="000000">
@@ -15601,28 +16359,490 @@
                     </a:srgbClr>
                   </a:outerShdw>
                 </a:effectLst>
-                <a:latin typeface="Arial" panose="020B0604020202020204" pitchFamily="34" charset="0"/>
                 <a:cs typeface="Arial" panose="020B0604020202020204" pitchFamily="34" charset="0"/>
+                <a:sym typeface="Wingdings" panose="05000000000000000000" pitchFamily="2" charset="2"/>
               </a:rPr>
-              <a:t>Considerações Finais</a:t>
-            </a:r>
-            <a:endParaRPr lang="pt-BR" sz="3200" dirty="0">
-              <a:effectLst>
-                <a:outerShdw blurRad="38100" dist="38100" dir="2700000" algn="tl">
-                  <a:srgbClr val="000000">
-                    <a:alpha val="43137"/>
-                  </a:srgbClr>
-                </a:outerShdw>
-              </a:effectLst>
-              <a:latin typeface="Arial" panose="020B0604020202020204" pitchFamily="34" charset="0"/>
-              <a:cs typeface="Arial" panose="020B0604020202020204" pitchFamily="34" charset="0"/>
-            </a:endParaRPr>
-          </a:p>
-        </p:txBody>
-      </p:sp>
-      <p:sp>
-        <p:nvSpPr>
-          <p:cNvPr id="16" name="Espaço Reservado para Conteúdo 2"/>
+              <a:t>(</a:t>
+            </a:r>
+            <a:r>
+              <a:rPr lang="pt-BR" sz="2800" b="1" dirty="0" smtClean="0">
+                <a:effectLst>
+                  <a:outerShdw blurRad="38100" dist="38100" dir="2700000" algn="tl">
+                    <a:srgbClr val="000000">
+                      <a:alpha val="43137"/>
+                    </a:srgbClr>
+                  </a:outerShdw>
+                </a:effectLst>
+              </a:rPr>
+              <a:t>PLATZER</a:t>
+            </a:r>
+            <a:r>
+              <a:rPr lang="pt-BR" sz="2800" b="1" dirty="0">
+                <a:effectLst>
+                  <a:outerShdw blurRad="38100" dist="38100" dir="2700000" algn="tl">
+                    <a:srgbClr val="000000">
+                      <a:alpha val="43137"/>
+                    </a:srgbClr>
+                  </a:outerShdw>
+                </a:effectLst>
+              </a:rPr>
+              <a:t>; STUETZ; LINDORFER, </a:t>
+            </a:r>
+            <a:r>
+              <a:rPr lang="pt-BR" sz="2800" b="1" dirty="0" smtClean="0">
+                <a:effectLst>
+                  <a:outerShdw blurRad="38100" dist="38100" dir="2700000" algn="tl">
+                    <a:srgbClr val="000000">
+                      <a:alpha val="43137"/>
+                    </a:srgbClr>
+                  </a:outerShdw>
+                </a:effectLst>
+              </a:rPr>
+              <a:t>2014</a:t>
+            </a:r>
+            <a:r>
+              <a:rPr lang="pt-BR" sz="2800" b="1" dirty="0" smtClean="0">
+                <a:effectLst>
+                  <a:outerShdw blurRad="38100" dist="38100" dir="2700000" algn="tl">
+                    <a:srgbClr val="000000">
+                      <a:alpha val="43137"/>
+                    </a:srgbClr>
+                  </a:outerShdw>
+                </a:effectLst>
+                <a:cs typeface="Arial" panose="020B0604020202020204" pitchFamily="34" charset="0"/>
+                <a:sym typeface="Wingdings" panose="05000000000000000000" pitchFamily="2" charset="2"/>
+              </a:rPr>
+              <a:t>)</a:t>
+            </a:r>
+          </a:p>
+        </p:txBody>
+      </p:sp>
+      <p:sp>
+        <p:nvSpPr>
+          <p:cNvPr id="9" name="CaixaDeTexto 8"/>
+          <p:cNvSpPr txBox="1"/>
+          <p:nvPr/>
+        </p:nvSpPr>
+        <p:spPr>
+          <a:xfrm>
+            <a:off x="3716423" y="495278"/>
+            <a:ext cx="1644025" cy="954107"/>
+          </a:xfrm>
+          <a:prstGeom prst="rect">
+            <a:avLst/>
+          </a:prstGeom>
+        </p:spPr>
+        <p:style>
+          <a:lnRef idx="0">
+            <a:schemeClr val="accent1"/>
+          </a:lnRef>
+          <a:fillRef idx="3">
+            <a:schemeClr val="accent1"/>
+          </a:fillRef>
+          <a:effectRef idx="3">
+            <a:schemeClr val="accent1"/>
+          </a:effectRef>
+          <a:fontRef idx="minor">
+            <a:schemeClr val="lt1"/>
+          </a:fontRef>
+        </p:style>
+        <p:txBody>
+          <a:bodyPr wrap="square" rtlCol="0">
+            <a:spAutoFit/>
+          </a:bodyPr>
+          <a:lstStyle/>
+          <a:p>
+            <a:pPr algn="ctr"/>
+            <a:r>
+              <a:rPr lang="pt-BR" sz="2800" dirty="0" smtClean="0">
+                <a:cs typeface="Arial" panose="020B0604020202020204" pitchFamily="34" charset="0"/>
+                <a:sym typeface="Wingdings" panose="05000000000000000000" pitchFamily="2" charset="2"/>
+              </a:rPr>
+              <a:t>Busca Manual</a:t>
+            </a:r>
+            <a:endParaRPr lang="pt-BR" sz="2800" dirty="0"/>
+          </a:p>
+        </p:txBody>
+      </p:sp>
+      <p:sp>
+        <p:nvSpPr>
+          <p:cNvPr id="10" name="CaixaDeTexto 9"/>
+          <p:cNvSpPr txBox="1"/>
+          <p:nvPr/>
+        </p:nvSpPr>
+        <p:spPr>
+          <a:xfrm>
+            <a:off x="7043537" y="445708"/>
+            <a:ext cx="3164851" cy="954107"/>
+          </a:xfrm>
+          <a:prstGeom prst="rect">
+            <a:avLst/>
+          </a:prstGeom>
+        </p:spPr>
+        <p:style>
+          <a:lnRef idx="0">
+            <a:schemeClr val="accent2"/>
+          </a:lnRef>
+          <a:fillRef idx="3">
+            <a:schemeClr val="accent2"/>
+          </a:fillRef>
+          <a:effectRef idx="3">
+            <a:schemeClr val="accent2"/>
+          </a:effectRef>
+          <a:fontRef idx="minor">
+            <a:schemeClr val="lt1"/>
+          </a:fontRef>
+        </p:style>
+        <p:txBody>
+          <a:bodyPr wrap="square" rtlCol="0">
+            <a:spAutoFit/>
+          </a:bodyPr>
+          <a:lstStyle/>
+          <a:p>
+            <a:pPr algn="ctr"/>
+            <a:r>
+              <a:rPr lang="pt-BR" sz="2800" dirty="0" smtClean="0">
+                <a:cs typeface="Arial" panose="020B0604020202020204" pitchFamily="34" charset="0"/>
+                <a:sym typeface="Wingdings" panose="05000000000000000000" pitchFamily="2" charset="2"/>
+              </a:rPr>
+              <a:t>Lenta, entediante, monótona</a:t>
+            </a:r>
+            <a:endParaRPr lang="pt-BR" sz="2800" dirty="0"/>
+          </a:p>
+        </p:txBody>
+      </p:sp>
+      <p:sp>
+        <p:nvSpPr>
+          <p:cNvPr id="11" name="CaixaDeTexto 10"/>
+          <p:cNvSpPr txBox="1"/>
+          <p:nvPr/>
+        </p:nvSpPr>
+        <p:spPr>
+          <a:xfrm>
+            <a:off x="6612643" y="2874914"/>
+            <a:ext cx="4026637" cy="954107"/>
+          </a:xfrm>
+          <a:prstGeom prst="rect">
+            <a:avLst/>
+          </a:prstGeom>
+        </p:spPr>
+        <p:style>
+          <a:lnRef idx="0">
+            <a:schemeClr val="accent1"/>
+          </a:lnRef>
+          <a:fillRef idx="3">
+            <a:schemeClr val="accent1"/>
+          </a:fillRef>
+          <a:effectRef idx="3">
+            <a:schemeClr val="accent1"/>
+          </a:effectRef>
+          <a:fontRef idx="minor">
+            <a:schemeClr val="lt1"/>
+          </a:fontRef>
+        </p:style>
+        <p:txBody>
+          <a:bodyPr wrap="square" rtlCol="0">
+            <a:spAutoFit/>
+          </a:bodyPr>
+          <a:lstStyle/>
+          <a:p>
+            <a:pPr algn="ctr"/>
+            <a:r>
+              <a:rPr lang="pt-BR" sz="2800" dirty="0" smtClean="0">
+                <a:cs typeface="Arial" panose="020B0604020202020204" pitchFamily="34" charset="0"/>
+                <a:sym typeface="Wingdings" panose="05000000000000000000" pitchFamily="2" charset="2"/>
+              </a:rPr>
+              <a:t>Diminuição </a:t>
+            </a:r>
+            <a:r>
+              <a:rPr lang="pt-BR" sz="2800" dirty="0">
+                <a:cs typeface="Arial" panose="020B0604020202020204" pitchFamily="34" charset="0"/>
+                <a:sym typeface="Wingdings" panose="05000000000000000000" pitchFamily="2" charset="2"/>
+              </a:rPr>
+              <a:t>da capacidade cognitiva humana</a:t>
+            </a:r>
+            <a:endParaRPr lang="pt-BR" sz="2800" dirty="0"/>
+          </a:p>
+        </p:txBody>
+      </p:sp>
+      <p:sp>
+        <p:nvSpPr>
+          <p:cNvPr id="12" name="CaixaDeTexto 11"/>
+          <p:cNvSpPr txBox="1"/>
+          <p:nvPr/>
+        </p:nvSpPr>
+        <p:spPr>
+          <a:xfrm>
+            <a:off x="6975866" y="5350239"/>
+            <a:ext cx="3414145" cy="954107"/>
+          </a:xfrm>
+          <a:prstGeom prst="rect">
+            <a:avLst/>
+          </a:prstGeom>
+        </p:spPr>
+        <p:style>
+          <a:lnRef idx="0">
+            <a:schemeClr val="accent2"/>
+          </a:lnRef>
+          <a:fillRef idx="3">
+            <a:schemeClr val="accent2"/>
+          </a:fillRef>
+          <a:effectRef idx="3">
+            <a:schemeClr val="accent2"/>
+          </a:effectRef>
+          <a:fontRef idx="minor">
+            <a:schemeClr val="lt1"/>
+          </a:fontRef>
+        </p:style>
+        <p:txBody>
+          <a:bodyPr wrap="square" rtlCol="0">
+            <a:spAutoFit/>
+          </a:bodyPr>
+          <a:lstStyle/>
+          <a:p>
+            <a:pPr algn="ctr"/>
+            <a:r>
+              <a:rPr lang="pt-BR" sz="2800" dirty="0" smtClean="0">
+                <a:cs typeface="Arial" panose="020B0604020202020204" pitchFamily="34" charset="0"/>
+                <a:sym typeface="Wingdings" panose="05000000000000000000" pitchFamily="2" charset="2"/>
+              </a:rPr>
+              <a:t>Erros</a:t>
+            </a:r>
+          </a:p>
+          <a:p>
+            <a:pPr algn="ctr"/>
+            <a:r>
+              <a:rPr lang="pt-BR" sz="2800" dirty="0" smtClean="0">
+                <a:cs typeface="Arial" panose="020B0604020202020204" pitchFamily="34" charset="0"/>
+                <a:sym typeface="Wingdings" panose="05000000000000000000" pitchFamily="2" charset="2"/>
+              </a:rPr>
+              <a:t> (Falsos Negativos)</a:t>
+            </a:r>
+            <a:endParaRPr lang="pt-BR" sz="2800" dirty="0"/>
+          </a:p>
+        </p:txBody>
+      </p:sp>
+      <p:sp>
+        <p:nvSpPr>
+          <p:cNvPr id="14" name="Seta para a direita 13"/>
+          <p:cNvSpPr/>
+          <p:nvPr/>
+        </p:nvSpPr>
+        <p:spPr>
+          <a:xfrm>
+            <a:off x="5885429" y="747361"/>
+            <a:ext cx="798285" cy="449943"/>
+          </a:xfrm>
+          <a:prstGeom prst="rightArrow">
+            <a:avLst/>
+          </a:prstGeom>
+          <a:solidFill>
+            <a:srgbClr val="002060"/>
+          </a:solidFill>
+          <a:ln>
+            <a:solidFill>
+              <a:schemeClr val="accent1">
+                <a:shade val="50000"/>
+              </a:schemeClr>
+            </a:solidFill>
+          </a:ln>
+        </p:spPr>
+        <p:style>
+          <a:lnRef idx="2">
+            <a:schemeClr val="accent1">
+              <a:shade val="50000"/>
+            </a:schemeClr>
+          </a:lnRef>
+          <a:fillRef idx="1">
+            <a:schemeClr val="accent1"/>
+          </a:fillRef>
+          <a:effectRef idx="0">
+            <a:schemeClr val="accent1"/>
+          </a:effectRef>
+          <a:fontRef idx="minor">
+            <a:schemeClr val="lt1"/>
+          </a:fontRef>
+        </p:style>
+        <p:txBody>
+          <a:bodyPr rtlCol="0" anchor="ctr"/>
+          <a:lstStyle/>
+          <a:p>
+            <a:pPr algn="ctr"/>
+            <a:endParaRPr lang="pt-BR"/>
+          </a:p>
+        </p:txBody>
+      </p:sp>
+      <p:sp>
+        <p:nvSpPr>
+          <p:cNvPr id="15" name="Seta para a direita 14"/>
+          <p:cNvSpPr/>
+          <p:nvPr/>
+        </p:nvSpPr>
+        <p:spPr>
+          <a:xfrm rot="5400000">
+            <a:off x="8231241" y="1936530"/>
+            <a:ext cx="798285" cy="449943"/>
+          </a:xfrm>
+          <a:prstGeom prst="rightArrow">
+            <a:avLst/>
+          </a:prstGeom>
+          <a:solidFill>
+            <a:srgbClr val="002060"/>
+          </a:solidFill>
+          <a:ln>
+            <a:solidFill>
+              <a:schemeClr val="accent1">
+                <a:shade val="50000"/>
+              </a:schemeClr>
+            </a:solidFill>
+          </a:ln>
+        </p:spPr>
+        <p:style>
+          <a:lnRef idx="2">
+            <a:schemeClr val="accent1">
+              <a:shade val="50000"/>
+            </a:schemeClr>
+          </a:lnRef>
+          <a:fillRef idx="1">
+            <a:schemeClr val="accent1"/>
+          </a:fillRef>
+          <a:effectRef idx="0">
+            <a:schemeClr val="accent1"/>
+          </a:effectRef>
+          <a:fontRef idx="minor">
+            <a:schemeClr val="lt1"/>
+          </a:fontRef>
+        </p:style>
+        <p:txBody>
+          <a:bodyPr rtlCol="0" anchor="ctr"/>
+          <a:lstStyle/>
+          <a:p>
+            <a:pPr algn="ctr"/>
+            <a:endParaRPr lang="pt-BR"/>
+          </a:p>
+        </p:txBody>
+      </p:sp>
+      <p:sp>
+        <p:nvSpPr>
+          <p:cNvPr id="16" name="Seta para a direita 15"/>
+          <p:cNvSpPr/>
+          <p:nvPr/>
+        </p:nvSpPr>
+        <p:spPr>
+          <a:xfrm rot="5400000">
+            <a:off x="8283797" y="4317462"/>
+            <a:ext cx="798285" cy="449943"/>
+          </a:xfrm>
+          <a:prstGeom prst="rightArrow">
+            <a:avLst/>
+          </a:prstGeom>
+          <a:solidFill>
+            <a:srgbClr val="002060"/>
+          </a:solidFill>
+          <a:ln>
+            <a:solidFill>
+              <a:schemeClr val="accent1">
+                <a:shade val="50000"/>
+              </a:schemeClr>
+            </a:solidFill>
+          </a:ln>
+        </p:spPr>
+        <p:style>
+          <a:lnRef idx="2">
+            <a:schemeClr val="accent1">
+              <a:shade val="50000"/>
+            </a:schemeClr>
+          </a:lnRef>
+          <a:fillRef idx="1">
+            <a:schemeClr val="accent1"/>
+          </a:fillRef>
+          <a:effectRef idx="0">
+            <a:schemeClr val="accent1"/>
+          </a:effectRef>
+          <a:fontRef idx="minor">
+            <a:schemeClr val="lt1"/>
+          </a:fontRef>
+        </p:style>
+        <p:txBody>
+          <a:bodyPr rtlCol="0" anchor="ctr"/>
+          <a:lstStyle/>
+          <a:p>
+            <a:pPr algn="ctr"/>
+            <a:endParaRPr lang="pt-BR"/>
+          </a:p>
+        </p:txBody>
+      </p:sp>
+    </p:spTree>
+    <p:extLst>
+      <p:ext uri="{BB962C8B-B14F-4D97-AF65-F5344CB8AC3E}">
+        <p14:creationId xmlns:p14="http://schemas.microsoft.com/office/powerpoint/2010/main" val="2569902908"/>
+      </p:ext>
+    </p:extLst>
+  </p:cSld>
+  <p:clrMapOvr>
+    <a:masterClrMapping/>
+  </p:clrMapOvr>
+  <p:timing>
+    <p:tnLst>
+      <p:par>
+        <p:cTn id="1" dur="indefinite" restart="never" nodeType="tmRoot"/>
+      </p:par>
+    </p:tnLst>
+  </p:timing>
+</p:sld>
+</file>
+
+<file path=ppt/slides/slide30.xml><?xml version="1.0" encoding="utf-8"?>
+<p:sld xmlns:a="http://schemas.openxmlformats.org/drawingml/2006/main" xmlns:r="http://schemas.openxmlformats.org/officeDocument/2006/relationships" xmlns:p="http://schemas.openxmlformats.org/presentationml/2006/main">
+  <p:cSld>
+    <p:bg>
+      <p:bgPr>
+        <a:solidFill>
+          <a:schemeClr val="bg1"/>
+        </a:solidFill>
+        <a:effectLst/>
+      </p:bgPr>
+    </p:bg>
+    <p:spTree>
+      <p:nvGrpSpPr>
+        <p:cNvPr id="1" name=""/>
+        <p:cNvGrpSpPr/>
+        <p:nvPr/>
+      </p:nvGrpSpPr>
+      <p:grpSpPr>
+        <a:xfrm>
+          <a:off x="0" y="0"/>
+          <a:ext cx="0" cy="0"/>
+          <a:chOff x="0" y="0"/>
+          <a:chExt cx="0" cy="0"/>
+        </a:xfrm>
+      </p:grpSpPr>
+      <p:sp>
+        <p:nvSpPr>
+          <p:cNvPr id="4" name="Espaço Reservado para Número de Slide 3"/>
+          <p:cNvSpPr>
+            <a:spLocks noGrp="1"/>
+          </p:cNvSpPr>
+          <p:nvPr>
+            <p:ph type="sldNum" sz="quarter" idx="12"/>
+          </p:nvPr>
+        </p:nvSpPr>
+        <p:spPr/>
+        <p:txBody>
+          <a:bodyPr/>
+          <a:lstStyle/>
+          <a:p>
+            <a:fld id="{8B96A95E-A34D-4337-A5C6-7E937AA0324D}" type="slidenum">
+              <a:rPr lang="pt-BR" smtClean="0"/>
+              <a:t>30</a:t>
+            </a:fld>
+            <a:endParaRPr lang="pt-BR"/>
+          </a:p>
+        </p:txBody>
+      </p:sp>
+      <p:sp>
+        <p:nvSpPr>
+          <p:cNvPr id="10" name="Espaço Reservado para Conteúdo 2"/>
           <p:cNvSpPr txBox="1">
             <a:spLocks/>
           </p:cNvSpPr>
@@ -15630,8 +16850,8 @@
         </p:nvSpPr>
         <p:spPr>
           <a:xfrm>
-            <a:off x="838200" y="2335958"/>
-            <a:ext cx="10515600" cy="4348413"/>
+            <a:off x="838200" y="2205581"/>
+            <a:ext cx="10515600" cy="3843973"/>
           </a:xfrm>
           <a:prstGeom prst="rect">
             <a:avLst/>
@@ -15806,68 +17026,6 @@
             </a:lvl9pPr>
           </a:lstStyle>
           <a:p>
-            <a:r>
-              <a:rPr lang="pt-BR" sz="2400" dirty="0"/>
-              <a:t>Uso de aprendizagem de máquina </a:t>
-            </a:r>
-            <a:r>
-              <a:rPr lang="pt-BR" sz="2400" dirty="0" smtClean="0"/>
-              <a:t>superou </a:t>
-            </a:r>
-            <a:r>
-              <a:rPr lang="pt-BR" sz="2400" dirty="0"/>
-              <a:t>o uso de regras pré-definidas;</a:t>
-            </a:r>
-          </a:p>
-          <a:p>
-            <a:r>
-              <a:rPr lang="pt-BR" sz="2400" dirty="0"/>
-              <a:t>Apresentou melhor resultado que o modelo que disponibilizou a base de dados;</a:t>
-            </a:r>
-          </a:p>
-          <a:p>
-            <a:r>
-              <a:rPr lang="pt-BR" sz="2400" dirty="0"/>
-              <a:t>Variar a quantidade de </a:t>
-            </a:r>
-            <a:r>
-              <a:rPr lang="pt-BR" sz="2400" dirty="0" smtClean="0"/>
-              <a:t>regiões de pele;</a:t>
-            </a:r>
-            <a:endParaRPr lang="pt-BR" sz="2400" dirty="0"/>
-          </a:p>
-          <a:p>
-            <a:r>
-              <a:rPr lang="pt-BR" sz="2400" dirty="0"/>
-              <a:t>Buscar por outras características que representem esse tipo de imagem;</a:t>
-            </a:r>
-          </a:p>
-          <a:p>
-            <a:r>
-              <a:rPr lang="pt-BR" sz="2400" dirty="0"/>
-              <a:t>Investigar melhores modelos que subsidiam a criação das características (detecção de pele e de face);</a:t>
-            </a:r>
-          </a:p>
-          <a:p>
-            <a:r>
-              <a:rPr lang="pt-BR" sz="2400" dirty="0" smtClean="0"/>
-              <a:t>Fazer </a:t>
-            </a:r>
-            <a:r>
-              <a:rPr lang="pt-BR" sz="2400" dirty="0"/>
-              <a:t>uso de uma Rede Neural </a:t>
-            </a:r>
-            <a:r>
-              <a:rPr lang="pt-BR" sz="2400" dirty="0" err="1"/>
-              <a:t>Convolucional</a:t>
-            </a:r>
-            <a:r>
-              <a:rPr lang="pt-BR" sz="2400" dirty="0"/>
-              <a:t> (estado-da-arte na detecção de objetos em imagens).</a:t>
-            </a:r>
-            <a:endParaRPr lang="pt-BR" sz="2000" dirty="0" smtClean="0"/>
-          </a:p>
-          <a:p>
             <a:pPr lvl="1">
               <a:buFont typeface="Wingdings" panose="05000000000000000000" pitchFamily="2" charset="2"/>
               <a:buChar char="ü"/>
@@ -15890,107 +17048,35 @@
           </a:p>
         </p:txBody>
       </p:sp>
-      <p:pic>
-        <p:nvPicPr>
-          <p:cNvPr id="3" name="Imagem 2"/>
-          <p:cNvPicPr>
-            <a:picLocks noChangeAspect="1"/>
-          </p:cNvPicPr>
-          <p:nvPr/>
-        </p:nvPicPr>
-        <p:blipFill>
-          <a:blip r:embed="rId3"/>
-          <a:stretch>
-            <a:fillRect/>
-          </a:stretch>
-        </p:blipFill>
-        <p:spPr>
-          <a:xfrm>
-            <a:off x="8294915" y="132993"/>
-            <a:ext cx="2828925" cy="1695450"/>
+      <p:sp>
+        <p:nvSpPr>
+          <p:cNvPr id="5" name="CaixaDeTexto 4"/>
+          <p:cNvSpPr txBox="1"/>
+          <p:nvPr/>
+        </p:nvSpPr>
+        <p:spPr>
+          <a:xfrm>
+            <a:off x="7736115" y="2550564"/>
+            <a:ext cx="1146628" cy="369332"/>
           </a:xfrm>
           <a:prstGeom prst="rect">
             <a:avLst/>
           </a:prstGeom>
-        </p:spPr>
-      </p:pic>
-    </p:spTree>
-    <p:extLst>
-      <p:ext uri="{BB962C8B-B14F-4D97-AF65-F5344CB8AC3E}">
-        <p14:creationId xmlns:p14="http://schemas.microsoft.com/office/powerpoint/2010/main" val="903806959"/>
-      </p:ext>
-    </p:extLst>
-  </p:cSld>
-  <p:clrMapOvr>
-    <a:masterClrMapping/>
-  </p:clrMapOvr>
-  <p:timing>
-    <p:tnLst>
-      <p:par>
-        <p:cTn id="1" dur="indefinite" restart="never" nodeType="tmRoot"/>
-      </p:par>
-    </p:tnLst>
-  </p:timing>
-</p:sld>
-</file>
-
-<file path=ppt/slides/slide3.xml><?xml version="1.0" encoding="utf-8"?>
-<p:sld xmlns:a="http://schemas.openxmlformats.org/drawingml/2006/main" xmlns:r="http://schemas.openxmlformats.org/officeDocument/2006/relationships" xmlns:p="http://schemas.openxmlformats.org/presentationml/2006/main">
-  <p:cSld>
-    <p:bg>
-      <p:bgPr>
-        <a:blipFill dpi="0" rotWithShape="1">
-          <a:blip r:embed="rId2">
-            <a:lum/>
-          </a:blip>
-          <a:srcRect/>
-          <a:stretch>
-            <a:fillRect t="-1000" b="-1000"/>
-          </a:stretch>
-        </a:blipFill>
-        <a:effectLst/>
-      </p:bgPr>
-    </p:bg>
-    <p:spTree>
-      <p:nvGrpSpPr>
-        <p:cNvPr id="1" name=""/>
-        <p:cNvGrpSpPr/>
-        <p:nvPr/>
-      </p:nvGrpSpPr>
-      <p:grpSpPr>
-        <a:xfrm>
-          <a:off x="0" y="0"/>
-          <a:ext cx="0" cy="0"/>
-          <a:chOff x="0" y="0"/>
-          <a:chExt cx="0" cy="0"/>
-        </a:xfrm>
-      </p:grpSpPr>
-      <p:sp>
-        <p:nvSpPr>
-          <p:cNvPr id="4" name="Espaço Reservado para Número de Slide 3"/>
-          <p:cNvSpPr>
-            <a:spLocks noGrp="1"/>
-          </p:cNvSpPr>
-          <p:nvPr>
-            <p:ph type="sldNum" sz="quarter" idx="12"/>
-          </p:nvPr>
-        </p:nvSpPr>
-        <p:spPr/>
-        <p:txBody>
-          <a:bodyPr/>
-          <a:lstStyle/>
-          <a:p>
-            <a:fld id="{8B96A95E-A34D-4337-A5C6-7E937AA0324D}" type="slidenum">
-              <a:rPr lang="pt-BR" smtClean="0"/>
-              <a:t>3</a:t>
-            </a:fld>
-            <a:endParaRPr lang="pt-BR"/>
-          </a:p>
-        </p:txBody>
-      </p:sp>
-      <p:sp>
-        <p:nvSpPr>
-          <p:cNvPr id="5" name="Espaço Reservado para Conteúdo 2"/>
+          <a:noFill/>
+        </p:spPr>
+        <p:txBody>
+          <a:bodyPr wrap="square" rtlCol="0">
+            <a:spAutoFit/>
+          </a:bodyPr>
+          <a:lstStyle/>
+          <a:p>
+            <a:endParaRPr lang="pt-BR" dirty="0"/>
+          </a:p>
+        </p:txBody>
+      </p:sp>
+      <p:sp>
+        <p:nvSpPr>
+          <p:cNvPr id="15" name="Título 1"/>
           <p:cNvSpPr txBox="1">
             <a:spLocks/>
           </p:cNvSpPr>
@@ -15998,8 +17084,77 @@
         </p:nvSpPr>
         <p:spPr>
           <a:xfrm>
-            <a:off x="379045" y="5565026"/>
-            <a:ext cx="5905526" cy="1582647"/>
+            <a:off x="838200" y="337700"/>
+            <a:ext cx="10515600" cy="875694"/>
+          </a:xfrm>
+          <a:prstGeom prst="rect">
+            <a:avLst/>
+          </a:prstGeom>
+        </p:spPr>
+        <p:txBody>
+          <a:bodyPr vert="horz" lIns="91440" tIns="45720" rIns="91440" bIns="45720" rtlCol="0" anchor="ctr">
+            <a:normAutofit/>
+          </a:bodyPr>
+          <a:lstStyle>
+            <a:lvl1pPr algn="l" defTabSz="914400" rtl="0" eaLnBrk="1" latinLnBrk="0" hangingPunct="1">
+              <a:lnSpc>
+                <a:spcPct val="90000"/>
+              </a:lnSpc>
+              <a:spcBef>
+                <a:spcPct val="0"/>
+              </a:spcBef>
+              <a:buNone/>
+              <a:defRPr sz="4400" kern="1200">
+                <a:solidFill>
+                  <a:schemeClr val="tx1"/>
+                </a:solidFill>
+                <a:latin typeface="+mj-lt"/>
+                <a:ea typeface="+mj-ea"/>
+                <a:cs typeface="+mj-cs"/>
+              </a:defRPr>
+            </a:lvl1pPr>
+          </a:lstStyle>
+          <a:p>
+            <a:r>
+              <a:rPr lang="pt-BR" sz="3200" dirty="0" smtClean="0">
+                <a:effectLst>
+                  <a:outerShdw blurRad="38100" dist="38100" dir="2700000" algn="tl">
+                    <a:srgbClr val="000000">
+                      <a:alpha val="43137"/>
+                    </a:srgbClr>
+                  </a:outerShdw>
+                </a:effectLst>
+                <a:latin typeface="Arial" panose="020B0604020202020204" pitchFamily="34" charset="0"/>
+                <a:cs typeface="Arial" panose="020B0604020202020204" pitchFamily="34" charset="0"/>
+              </a:rPr>
+              <a:t>Considerações Finais</a:t>
+            </a:r>
+            <a:endParaRPr lang="pt-BR" sz="3200" dirty="0">
+              <a:effectLst>
+                <a:outerShdw blurRad="38100" dist="38100" dir="2700000" algn="tl">
+                  <a:srgbClr val="000000">
+                    <a:alpha val="43137"/>
+                  </a:srgbClr>
+                </a:outerShdw>
+              </a:effectLst>
+              <a:latin typeface="Arial" panose="020B0604020202020204" pitchFamily="34" charset="0"/>
+              <a:cs typeface="Arial" panose="020B0604020202020204" pitchFamily="34" charset="0"/>
+            </a:endParaRPr>
+          </a:p>
+        </p:txBody>
+      </p:sp>
+      <p:sp>
+        <p:nvSpPr>
+          <p:cNvPr id="16" name="Espaço Reservado para Conteúdo 2"/>
+          <p:cNvSpPr txBox="1">
+            <a:spLocks/>
+          </p:cNvSpPr>
+          <p:nvPr/>
+        </p:nvSpPr>
+        <p:spPr>
+          <a:xfrm>
+            <a:off x="838200" y="2335958"/>
+            <a:ext cx="10515600" cy="4348413"/>
           </a:xfrm>
           <a:prstGeom prst="rect">
             <a:avLst/>
@@ -16174,444 +17329,118 @@
             </a:lvl9pPr>
           </a:lstStyle>
           <a:p>
-            <a:pPr marL="457200" lvl="1" indent="0">
-              <a:buNone/>
+            <a:r>
+              <a:rPr lang="pt-BR" sz="2400" dirty="0"/>
+              <a:t>Uso de aprendizagem de máquina </a:t>
+            </a:r>
+            <a:r>
+              <a:rPr lang="pt-BR" sz="2400" dirty="0" smtClean="0"/>
+              <a:t>superou </a:t>
+            </a:r>
+            <a:r>
+              <a:rPr lang="pt-BR" sz="2400" dirty="0"/>
+              <a:t>o uso de regras pré-definidas;</a:t>
+            </a:r>
+          </a:p>
+          <a:p>
+            <a:r>
+              <a:rPr lang="pt-BR" sz="2400" dirty="0"/>
+              <a:t>Apresentou melhor resultado que o modelo que disponibilizou a base de dados;</a:t>
+            </a:r>
+          </a:p>
+          <a:p>
+            <a:r>
+              <a:rPr lang="pt-BR" sz="2400" dirty="0"/>
+              <a:t>Variar a quantidade de </a:t>
+            </a:r>
+            <a:r>
+              <a:rPr lang="pt-BR" sz="2400" dirty="0" smtClean="0"/>
+              <a:t>regiões de pele;</a:t>
+            </a:r>
+            <a:endParaRPr lang="pt-BR" sz="2400" dirty="0"/>
+          </a:p>
+          <a:p>
+            <a:r>
+              <a:rPr lang="pt-BR" sz="2400" dirty="0"/>
+              <a:t>Buscar por outras características que representem esse tipo de imagem;</a:t>
+            </a:r>
+          </a:p>
+          <a:p>
+            <a:r>
+              <a:rPr lang="pt-BR" sz="2400" dirty="0"/>
+              <a:t>Investigar melhores modelos que subsidiam a criação das características (detecção de pele e de face);</a:t>
+            </a:r>
+          </a:p>
+          <a:p>
+            <a:r>
+              <a:rPr lang="pt-BR" sz="2400" dirty="0" smtClean="0"/>
+              <a:t>Fazer </a:t>
+            </a:r>
+            <a:r>
+              <a:rPr lang="pt-BR" sz="2400" dirty="0"/>
+              <a:t>uso de uma Rede Neural </a:t>
+            </a:r>
+            <a:r>
+              <a:rPr lang="pt-BR" sz="2400" dirty="0" err="1"/>
+              <a:t>Convolucional</a:t>
+            </a:r>
+            <a:r>
+              <a:rPr lang="pt-BR" sz="2400" dirty="0"/>
+              <a:t> (estado-da-arte na detecção de objetos em imagens).</a:t>
+            </a:r>
+            <a:endParaRPr lang="pt-BR" sz="2000" dirty="0" smtClean="0"/>
+          </a:p>
+          <a:p>
+            <a:pPr lvl="1">
+              <a:buFont typeface="Wingdings" panose="05000000000000000000" pitchFamily="2" charset="2"/>
+              <a:buChar char="ü"/>
             </a:pPr>
-            <a:endParaRPr lang="pt-BR" sz="2000" dirty="0" smtClean="0">
-              <a:cs typeface="Arial" panose="020B0604020202020204" pitchFamily="34" charset="0"/>
-              <a:sym typeface="Wingdings" panose="05000000000000000000" pitchFamily="2" charset="2"/>
-            </a:endParaRPr>
-          </a:p>
-          <a:p>
-            <a:pPr marL="0" lvl="1" indent="0">
-              <a:buNone/>
+            <a:endParaRPr lang="pt-BR" sz="2000" dirty="0"/>
+          </a:p>
+          <a:p>
+            <a:pPr lvl="1">
+              <a:buFont typeface="Wingdings" panose="05000000000000000000" pitchFamily="2" charset="2"/>
+              <a:buChar char="ü"/>
             </a:pPr>
-            <a:r>
-              <a:rPr lang="pt-BR" sz="2800" b="1" dirty="0" smtClean="0">
-                <a:effectLst>
-                  <a:outerShdw blurRad="38100" dist="38100" dir="2700000" algn="tl">
-                    <a:srgbClr val="000000">
-                      <a:alpha val="43137"/>
-                    </a:srgbClr>
-                  </a:outerShdw>
-                </a:effectLst>
-                <a:cs typeface="Arial" panose="020B0604020202020204" pitchFamily="34" charset="0"/>
-                <a:sym typeface="Wingdings" panose="05000000000000000000" pitchFamily="2" charset="2"/>
-              </a:rPr>
-              <a:t>(</a:t>
-            </a:r>
-            <a:r>
-              <a:rPr lang="pt-BR" sz="2800" b="1" dirty="0" smtClean="0">
-                <a:effectLst>
-                  <a:outerShdw blurRad="38100" dist="38100" dir="2700000" algn="tl">
-                    <a:srgbClr val="000000">
-                      <a:alpha val="43137"/>
-                    </a:srgbClr>
-                  </a:outerShdw>
-                </a:effectLst>
-              </a:rPr>
-              <a:t>PLATZER</a:t>
-            </a:r>
-            <a:r>
-              <a:rPr lang="pt-BR" sz="2800" b="1" dirty="0">
-                <a:effectLst>
-                  <a:outerShdw blurRad="38100" dist="38100" dir="2700000" algn="tl">
-                    <a:srgbClr val="000000">
-                      <a:alpha val="43137"/>
-                    </a:srgbClr>
-                  </a:outerShdw>
-                </a:effectLst>
-              </a:rPr>
-              <a:t>; STUETZ; LINDORFER, </a:t>
-            </a:r>
-            <a:r>
-              <a:rPr lang="pt-BR" sz="2800" b="1" dirty="0" smtClean="0">
-                <a:effectLst>
-                  <a:outerShdw blurRad="38100" dist="38100" dir="2700000" algn="tl">
-                    <a:srgbClr val="000000">
-                      <a:alpha val="43137"/>
-                    </a:srgbClr>
-                  </a:outerShdw>
-                </a:effectLst>
-              </a:rPr>
-              <a:t>2014</a:t>
-            </a:r>
-            <a:r>
-              <a:rPr lang="pt-BR" sz="2800" b="1" dirty="0" smtClean="0">
-                <a:effectLst>
-                  <a:outerShdw blurRad="38100" dist="38100" dir="2700000" algn="tl">
-                    <a:srgbClr val="000000">
-                      <a:alpha val="43137"/>
-                    </a:srgbClr>
-                  </a:outerShdw>
-                </a:effectLst>
-                <a:cs typeface="Arial" panose="020B0604020202020204" pitchFamily="34" charset="0"/>
-                <a:sym typeface="Wingdings" panose="05000000000000000000" pitchFamily="2" charset="2"/>
-              </a:rPr>
-              <a:t>)</a:t>
-            </a:r>
-          </a:p>
-        </p:txBody>
-      </p:sp>
-      <p:sp>
-        <p:nvSpPr>
-          <p:cNvPr id="9" name="CaixaDeTexto 8"/>
-          <p:cNvSpPr txBox="1"/>
-          <p:nvPr/>
-        </p:nvSpPr>
-        <p:spPr>
-          <a:xfrm>
-            <a:off x="3716423" y="495278"/>
-            <a:ext cx="1644025" cy="954107"/>
+            <a:endParaRPr lang="pt-BR" sz="2000" dirty="0" smtClean="0"/>
+          </a:p>
+          <a:p>
+            <a:pPr marL="457200" lvl="0" indent="-457200">
+              <a:buFont typeface="+mj-lt"/>
+              <a:buAutoNum type="alphaLcParenR"/>
+            </a:pPr>
+            <a:endParaRPr lang="pt-BR" sz="2400" dirty="0"/>
+          </a:p>
+        </p:txBody>
+      </p:sp>
+      <p:pic>
+        <p:nvPicPr>
+          <p:cNvPr id="3" name="Imagem 2"/>
+          <p:cNvPicPr>
+            <a:picLocks noChangeAspect="1"/>
+          </p:cNvPicPr>
+          <p:nvPr/>
+        </p:nvPicPr>
+        <p:blipFill>
+          <a:blip r:embed="rId3"/>
+          <a:stretch>
+            <a:fillRect/>
+          </a:stretch>
+        </p:blipFill>
+        <p:spPr>
+          <a:xfrm>
+            <a:off x="8294915" y="132993"/>
+            <a:ext cx="2828925" cy="1695450"/>
           </a:xfrm>
           <a:prstGeom prst="rect">
             <a:avLst/>
           </a:prstGeom>
         </p:spPr>
-        <p:style>
-          <a:lnRef idx="0">
-            <a:schemeClr val="accent1"/>
-          </a:lnRef>
-          <a:fillRef idx="3">
-            <a:schemeClr val="accent1"/>
-          </a:fillRef>
-          <a:effectRef idx="3">
-            <a:schemeClr val="accent1"/>
-          </a:effectRef>
-          <a:fontRef idx="minor">
-            <a:schemeClr val="lt1"/>
-          </a:fontRef>
-        </p:style>
-        <p:txBody>
-          <a:bodyPr wrap="square" rtlCol="0">
-            <a:spAutoFit/>
-          </a:bodyPr>
-          <a:lstStyle/>
-          <a:p>
-            <a:pPr algn="ctr"/>
-            <a:r>
-              <a:rPr lang="pt-BR" sz="2800" dirty="0" smtClean="0">
-                <a:cs typeface="Arial" panose="020B0604020202020204" pitchFamily="34" charset="0"/>
-                <a:sym typeface="Wingdings" panose="05000000000000000000" pitchFamily="2" charset="2"/>
-              </a:rPr>
-              <a:t>Busca Manual</a:t>
-            </a:r>
-            <a:endParaRPr lang="pt-BR" sz="2800" dirty="0"/>
-          </a:p>
-        </p:txBody>
-      </p:sp>
-      <p:sp>
-        <p:nvSpPr>
-          <p:cNvPr id="10" name="CaixaDeTexto 9"/>
-          <p:cNvSpPr txBox="1"/>
-          <p:nvPr/>
-        </p:nvSpPr>
-        <p:spPr>
-          <a:xfrm>
-            <a:off x="7043537" y="445708"/>
-            <a:ext cx="3164851" cy="954107"/>
-          </a:xfrm>
-          <a:prstGeom prst="rect">
-            <a:avLst/>
-          </a:prstGeom>
-        </p:spPr>
-        <p:style>
-          <a:lnRef idx="0">
-            <a:schemeClr val="accent2"/>
-          </a:lnRef>
-          <a:fillRef idx="3">
-            <a:schemeClr val="accent2"/>
-          </a:fillRef>
-          <a:effectRef idx="3">
-            <a:schemeClr val="accent2"/>
-          </a:effectRef>
-          <a:fontRef idx="minor">
-            <a:schemeClr val="lt1"/>
-          </a:fontRef>
-        </p:style>
-        <p:txBody>
-          <a:bodyPr wrap="square" rtlCol="0">
-            <a:spAutoFit/>
-          </a:bodyPr>
-          <a:lstStyle/>
-          <a:p>
-            <a:pPr algn="ctr"/>
-            <a:r>
-              <a:rPr lang="pt-BR" sz="2800" dirty="0" smtClean="0">
-                <a:cs typeface="Arial" panose="020B0604020202020204" pitchFamily="34" charset="0"/>
-                <a:sym typeface="Wingdings" panose="05000000000000000000" pitchFamily="2" charset="2"/>
-              </a:rPr>
-              <a:t>Lenta, entediante, monótona</a:t>
-            </a:r>
-            <a:endParaRPr lang="pt-BR" sz="2800" dirty="0"/>
-          </a:p>
-        </p:txBody>
-      </p:sp>
-      <p:sp>
-        <p:nvSpPr>
-          <p:cNvPr id="11" name="CaixaDeTexto 10"/>
-          <p:cNvSpPr txBox="1"/>
-          <p:nvPr/>
-        </p:nvSpPr>
-        <p:spPr>
-          <a:xfrm>
-            <a:off x="6612643" y="2874914"/>
-            <a:ext cx="4026637" cy="954107"/>
-          </a:xfrm>
-          <a:prstGeom prst="rect">
-            <a:avLst/>
-          </a:prstGeom>
-        </p:spPr>
-        <p:style>
-          <a:lnRef idx="0">
-            <a:schemeClr val="accent1"/>
-          </a:lnRef>
-          <a:fillRef idx="3">
-            <a:schemeClr val="accent1"/>
-          </a:fillRef>
-          <a:effectRef idx="3">
-            <a:schemeClr val="accent1"/>
-          </a:effectRef>
-          <a:fontRef idx="minor">
-            <a:schemeClr val="lt1"/>
-          </a:fontRef>
-        </p:style>
-        <p:txBody>
-          <a:bodyPr wrap="square" rtlCol="0">
-            <a:spAutoFit/>
-          </a:bodyPr>
-          <a:lstStyle/>
-          <a:p>
-            <a:pPr algn="ctr"/>
-            <a:r>
-              <a:rPr lang="pt-BR" sz="2800" dirty="0" smtClean="0">
-                <a:cs typeface="Arial" panose="020B0604020202020204" pitchFamily="34" charset="0"/>
-                <a:sym typeface="Wingdings" panose="05000000000000000000" pitchFamily="2" charset="2"/>
-              </a:rPr>
-              <a:t>Diminuição </a:t>
-            </a:r>
-            <a:r>
-              <a:rPr lang="pt-BR" sz="2800" dirty="0">
-                <a:cs typeface="Arial" panose="020B0604020202020204" pitchFamily="34" charset="0"/>
-                <a:sym typeface="Wingdings" panose="05000000000000000000" pitchFamily="2" charset="2"/>
-              </a:rPr>
-              <a:t>da capacidade cognitiva humana</a:t>
-            </a:r>
-            <a:endParaRPr lang="pt-BR" sz="2800" dirty="0"/>
-          </a:p>
-        </p:txBody>
-      </p:sp>
-      <p:sp>
-        <p:nvSpPr>
-          <p:cNvPr id="12" name="CaixaDeTexto 11"/>
-          <p:cNvSpPr txBox="1"/>
-          <p:nvPr/>
-        </p:nvSpPr>
-        <p:spPr>
-          <a:xfrm>
-            <a:off x="6975866" y="5350239"/>
-            <a:ext cx="3414145" cy="954107"/>
-          </a:xfrm>
-          <a:prstGeom prst="rect">
-            <a:avLst/>
-          </a:prstGeom>
-        </p:spPr>
-        <p:style>
-          <a:lnRef idx="0">
-            <a:schemeClr val="accent2"/>
-          </a:lnRef>
-          <a:fillRef idx="3">
-            <a:schemeClr val="accent2"/>
-          </a:fillRef>
-          <a:effectRef idx="3">
-            <a:schemeClr val="accent2"/>
-          </a:effectRef>
-          <a:fontRef idx="minor">
-            <a:schemeClr val="lt1"/>
-          </a:fontRef>
-        </p:style>
-        <p:txBody>
-          <a:bodyPr wrap="square" rtlCol="0">
-            <a:spAutoFit/>
-          </a:bodyPr>
-          <a:lstStyle/>
-          <a:p>
-            <a:pPr algn="ctr"/>
-            <a:r>
-              <a:rPr lang="pt-BR" sz="2800" dirty="0" smtClean="0">
-                <a:cs typeface="Arial" panose="020B0604020202020204" pitchFamily="34" charset="0"/>
-                <a:sym typeface="Wingdings" panose="05000000000000000000" pitchFamily="2" charset="2"/>
-              </a:rPr>
-              <a:t>Erros</a:t>
-            </a:r>
-          </a:p>
-          <a:p>
-            <a:pPr algn="ctr"/>
-            <a:r>
-              <a:rPr lang="pt-BR" sz="2800" dirty="0" smtClean="0">
-                <a:cs typeface="Arial" panose="020B0604020202020204" pitchFamily="34" charset="0"/>
-                <a:sym typeface="Wingdings" panose="05000000000000000000" pitchFamily="2" charset="2"/>
-              </a:rPr>
-              <a:t> (Falsos Negativos)</a:t>
-            </a:r>
-            <a:endParaRPr lang="pt-BR" sz="2800" dirty="0"/>
-          </a:p>
-        </p:txBody>
-      </p:sp>
-      <p:sp>
-        <p:nvSpPr>
-          <p:cNvPr id="14" name="Seta para a direita 13"/>
-          <p:cNvSpPr/>
-          <p:nvPr/>
-        </p:nvSpPr>
-        <p:spPr>
-          <a:xfrm>
-            <a:off x="5885429" y="747361"/>
-            <a:ext cx="798285" cy="449943"/>
-          </a:xfrm>
-          <a:prstGeom prst="rightArrow">
-            <a:avLst/>
-          </a:prstGeom>
-          <a:solidFill>
-            <a:srgbClr val="002060"/>
-          </a:solidFill>
-          <a:ln>
-            <a:solidFill>
-              <a:schemeClr val="accent1">
-                <a:shade val="50000"/>
-              </a:schemeClr>
-            </a:solidFill>
-          </a:ln>
-        </p:spPr>
-        <p:style>
-          <a:lnRef idx="2">
-            <a:schemeClr val="accent1">
-              <a:shade val="50000"/>
-            </a:schemeClr>
-          </a:lnRef>
-          <a:fillRef idx="1">
-            <a:schemeClr val="accent1"/>
-          </a:fillRef>
-          <a:effectRef idx="0">
-            <a:schemeClr val="accent1"/>
-          </a:effectRef>
-          <a:fontRef idx="minor">
-            <a:schemeClr val="lt1"/>
-          </a:fontRef>
-        </p:style>
-        <p:txBody>
-          <a:bodyPr rtlCol="0" anchor="ctr"/>
-          <a:lstStyle/>
-          <a:p>
-            <a:pPr algn="ctr"/>
-            <a:endParaRPr lang="pt-BR"/>
-          </a:p>
-        </p:txBody>
-      </p:sp>
-      <p:sp>
-        <p:nvSpPr>
-          <p:cNvPr id="15" name="Seta para a direita 14"/>
-          <p:cNvSpPr/>
-          <p:nvPr/>
-        </p:nvSpPr>
-        <p:spPr>
-          <a:xfrm rot="5400000">
-            <a:off x="8231241" y="1936530"/>
-            <a:ext cx="798285" cy="449943"/>
-          </a:xfrm>
-          <a:prstGeom prst="rightArrow">
-            <a:avLst/>
-          </a:prstGeom>
-          <a:solidFill>
-            <a:srgbClr val="002060"/>
-          </a:solidFill>
-          <a:ln>
-            <a:solidFill>
-              <a:schemeClr val="accent1">
-                <a:shade val="50000"/>
-              </a:schemeClr>
-            </a:solidFill>
-          </a:ln>
-        </p:spPr>
-        <p:style>
-          <a:lnRef idx="2">
-            <a:schemeClr val="accent1">
-              <a:shade val="50000"/>
-            </a:schemeClr>
-          </a:lnRef>
-          <a:fillRef idx="1">
-            <a:schemeClr val="accent1"/>
-          </a:fillRef>
-          <a:effectRef idx="0">
-            <a:schemeClr val="accent1"/>
-          </a:effectRef>
-          <a:fontRef idx="minor">
-            <a:schemeClr val="lt1"/>
-          </a:fontRef>
-        </p:style>
-        <p:txBody>
-          <a:bodyPr rtlCol="0" anchor="ctr"/>
-          <a:lstStyle/>
-          <a:p>
-            <a:pPr algn="ctr"/>
-            <a:endParaRPr lang="pt-BR"/>
-          </a:p>
-        </p:txBody>
-      </p:sp>
-      <p:sp>
-        <p:nvSpPr>
-          <p:cNvPr id="16" name="Seta para a direita 15"/>
-          <p:cNvSpPr/>
-          <p:nvPr/>
-        </p:nvSpPr>
-        <p:spPr>
-          <a:xfrm rot="5400000">
-            <a:off x="8283797" y="4317462"/>
-            <a:ext cx="798285" cy="449943"/>
-          </a:xfrm>
-          <a:prstGeom prst="rightArrow">
-            <a:avLst/>
-          </a:prstGeom>
-          <a:solidFill>
-            <a:srgbClr val="002060"/>
-          </a:solidFill>
-          <a:ln>
-            <a:solidFill>
-              <a:schemeClr val="accent1">
-                <a:shade val="50000"/>
-              </a:schemeClr>
-            </a:solidFill>
-          </a:ln>
-        </p:spPr>
-        <p:style>
-          <a:lnRef idx="2">
-            <a:schemeClr val="accent1">
-              <a:shade val="50000"/>
-            </a:schemeClr>
-          </a:lnRef>
-          <a:fillRef idx="1">
-            <a:schemeClr val="accent1"/>
-          </a:fillRef>
-          <a:effectRef idx="0">
-            <a:schemeClr val="accent1"/>
-          </a:effectRef>
-          <a:fontRef idx="minor">
-            <a:schemeClr val="lt1"/>
-          </a:fontRef>
-        </p:style>
-        <p:txBody>
-          <a:bodyPr rtlCol="0" anchor="ctr"/>
-          <a:lstStyle/>
-          <a:p>
-            <a:pPr algn="ctr"/>
-            <a:endParaRPr lang="pt-BR"/>
-          </a:p>
-        </p:txBody>
-      </p:sp>
+      </p:pic>
     </p:spTree>
     <p:extLst>
       <p:ext uri="{BB962C8B-B14F-4D97-AF65-F5344CB8AC3E}">
-        <p14:creationId xmlns:p14="http://schemas.microsoft.com/office/powerpoint/2010/main" val="2569902908"/>
+        <p14:creationId xmlns:p14="http://schemas.microsoft.com/office/powerpoint/2010/main" val="903806959"/>
       </p:ext>
     </p:extLst>
   </p:cSld>
@@ -16628,7 +17457,7 @@
 </p:sld>
 </file>
 
-<file path=ppt/slides/slide30.xml><?xml version="1.0" encoding="utf-8"?>
+<file path=ppt/slides/slide31.xml><?xml version="1.0" encoding="utf-8"?>
 <p:sld xmlns:a="http://schemas.openxmlformats.org/drawingml/2006/main" xmlns:r="http://schemas.openxmlformats.org/officeDocument/2006/relationships" xmlns:p="http://schemas.openxmlformats.org/presentationml/2006/main">
   <p:cSld>
     <p:spTree>
@@ -16662,7 +17491,7 @@
           <a:p>
             <a:fld id="{8B96A95E-A34D-4337-A5C6-7E937AA0324D}" type="slidenum">
               <a:rPr lang="pt-BR" smtClean="0"/>
-              <a:t>30</a:t>
+              <a:t>31</a:t>
             </a:fld>
             <a:endParaRPr lang="pt-BR"/>
           </a:p>
@@ -17250,6 +18079,7 @@
               <a:rPr lang="en-US" sz="1600" dirty="0" smtClean="0"/>
               <a:t>2004</a:t>
             </a:r>
+            <a:endParaRPr lang="en-US" sz="1600" dirty="0" smtClean="0"/>
           </a:p>
           <a:p>
             <a:pPr marL="0" indent="0">
@@ -17314,17 +18144,6 @@
               </a:rPr>
               <a:t>Referências Bibliográficas</a:t>
             </a:r>
-            <a:endParaRPr lang="pt-BR" sz="3200" dirty="0">
-              <a:effectLst>
-                <a:outerShdw blurRad="38100" dist="38100" dir="2700000" algn="tl">
-                  <a:srgbClr val="000000">
-                    <a:alpha val="43137"/>
-                  </a:srgbClr>
-                </a:outerShdw>
-              </a:effectLst>
-              <a:latin typeface="Arial" panose="020B0604020202020204" pitchFamily="34" charset="0"/>
-              <a:cs typeface="Arial" panose="020B0604020202020204" pitchFamily="34" charset="0"/>
-            </a:endParaRPr>
           </a:p>
         </p:txBody>
       </p:sp>
